--- a/templates/Minimalista.pptx
+++ b/templates/Minimalista.pptx
@@ -273,6 +273,14 @@
       </a:defRPr>
     </a:lvl9pPr>
   </p:defaultTextStyle>
+  <p:extLst>
+    <p:ext uri="{EFAFB233-063F-42B5-8137-9DF3F51BA10A}">
+      <p15:sldGuideLst xmlns:p15="http://schemas.microsoft.com/office/powerpoint/2012/main"/>
+    </p:ext>
+    <p:ext uri="{2D200454-40CA-4A62-9FC3-DE9A4176ACB9}">
+      <p15:notesGuideLst xmlns:p15="http://schemas.microsoft.com/office/powerpoint/2012/main"/>
+    </p:ext>
+  </p:extLst>
 </p:presentation>
 </file>
 
@@ -370,7 +378,7 @@
           <a:p>
             <a:fld id="{20547E21-CE16-4677-9A45-E0ED1AC6093B}" type="datetimeFigureOut">
               <a:rPr lang="es-ES" smtClean="0"/>
-              <a:t>21/05/2025</a:t>
+              <a:t>25/05/2025</a:t>
             </a:fld>
             <a:endParaRPr lang="es-ES"/>
           </a:p>
@@ -2380,7 +2388,7 @@
               </a:spcAft>
               <a:buSzPts val="3000"/>
               <a:buNone/>
-              <a:defRPr/>
+              <a:defRPr sz="2400"/>
             </a:lvl1pPr>
             <a:lvl2pPr lvl="1">
               <a:spcBef>
@@ -2472,7 +2480,7 @@
             </a:lvl9pPr>
           </a:lstStyle>
           <a:p>
-            <a:endParaRPr/>
+            <a:endParaRPr dirty="0"/>
           </a:p>
         </p:txBody>
       </p:sp>
@@ -2610,7 +2618,23 @@
         </p:spPr>
         <p:txBody>
           <a:bodyPr/>
-          <a:lstStyle/>
+          <a:lstStyle>
+            <a:lvl1pPr>
+              <a:defRPr sz="2000"/>
+            </a:lvl1pPr>
+            <a:lvl2pPr>
+              <a:defRPr sz="2000"/>
+            </a:lvl2pPr>
+            <a:lvl3pPr>
+              <a:defRPr sz="2000"/>
+            </a:lvl3pPr>
+            <a:lvl4pPr>
+              <a:defRPr sz="2000"/>
+            </a:lvl4pPr>
+            <a:lvl5pPr>
+              <a:defRPr sz="2000"/>
+            </a:lvl5pPr>
+          </a:lstStyle>
           <a:p>
             <a:pPr lvl="0"/>
             <a:r>
@@ -2757,7 +2781,7 @@
               </a:spcAft>
               <a:buSzPts val="3000"/>
               <a:buNone/>
-              <a:defRPr/>
+              <a:defRPr sz="2400"/>
             </a:lvl1pPr>
             <a:lvl2pPr lvl="1">
               <a:spcBef>
@@ -2849,7 +2873,7 @@
             </a:lvl9pPr>
           </a:lstStyle>
           <a:p>
-            <a:endParaRPr/>
+            <a:endParaRPr dirty="0"/>
           </a:p>
         </p:txBody>
       </p:sp>
@@ -2987,7 +3011,23 @@
         </p:spPr>
         <p:txBody>
           <a:bodyPr/>
-          <a:lstStyle/>
+          <a:lstStyle>
+            <a:lvl1pPr>
+              <a:defRPr sz="2000"/>
+            </a:lvl1pPr>
+            <a:lvl2pPr>
+              <a:defRPr sz="2000"/>
+            </a:lvl2pPr>
+            <a:lvl3pPr>
+              <a:defRPr sz="2000"/>
+            </a:lvl3pPr>
+            <a:lvl4pPr>
+              <a:defRPr sz="2000"/>
+            </a:lvl4pPr>
+            <a:lvl5pPr>
+              <a:defRPr sz="2000"/>
+            </a:lvl5pPr>
+          </a:lstStyle>
           <a:p>
             <a:pPr lvl="0"/>
             <a:r>
@@ -3139,7 +3179,7 @@
               </a:spcAft>
               <a:buSzPts val="3000"/>
               <a:buNone/>
-              <a:defRPr/>
+              <a:defRPr sz="2400"/>
             </a:lvl1pPr>
             <a:lvl2pPr lvl="1">
               <a:spcBef>
@@ -3231,7 +3271,7 @@
             </a:lvl9pPr>
           </a:lstStyle>
           <a:p>
-            <a:endParaRPr/>
+            <a:endParaRPr dirty="0"/>
           </a:p>
         </p:txBody>
       </p:sp>
@@ -5317,10 +5357,10 @@
               <a:buNone/>
             </a:pPr>
             <a:r>
-              <a:rPr lang="en"/>
+              <a:rPr lang="en" sz="2800" dirty="0"/>
               <a:t>Minimalist Business Slides</a:t>
             </a:r>
-            <a:endParaRPr/>
+            <a:endParaRPr sz="2800" dirty="0"/>
           </a:p>
         </p:txBody>
       </p:sp>
@@ -5364,14 +5404,14 @@
               <a:buNone/>
             </a:pPr>
             <a:r>
-              <a:rPr lang="en">
+              <a:rPr lang="en" dirty="0">
                 <a:solidFill>
                   <a:schemeClr val="dk1"/>
                 </a:solidFill>
               </a:rPr>
               <a:t>Here is where your presentation begins</a:t>
             </a:r>
-            <a:endParaRPr/>
+            <a:endParaRPr dirty="0"/>
           </a:p>
         </p:txBody>
       </p:sp>
@@ -5583,10 +5623,10 @@
               <a:buNone/>
             </a:pPr>
             <a:r>
-              <a:rPr lang="en"/>
+              <a:rPr lang="en" sz="2400" dirty="0"/>
               <a:t>Contents of this template</a:t>
             </a:r>
-            <a:endParaRPr/>
+            <a:endParaRPr sz="2400" dirty="0"/>
           </a:p>
         </p:txBody>
       </p:sp>
@@ -5630,7 +5670,7 @@
               <a:buNone/>
             </a:pPr>
             <a:r>
-              <a:rPr lang="en" sz="1600" dirty="0">
+              <a:rPr lang="en" sz="1200" dirty="0">
                 <a:solidFill>
                   <a:schemeClr val="dk1"/>
                 </a:solidFill>
@@ -5638,7 +5678,7 @@
               <a:t>Here’s what you’ll find in this </a:t>
             </a:r>
             <a:r>
-              <a:rPr lang="en" sz="1600" b="1" dirty="0">
+              <a:rPr lang="en" sz="1200" b="1" dirty="0">
                 <a:solidFill>
                   <a:schemeClr val="dk1"/>
                 </a:solidFill>
@@ -5656,14 +5696,14 @@
               <a:t>Slidesgo</a:t>
             </a:r>
             <a:r>
-              <a:rPr lang="en" sz="1600" dirty="0">
+              <a:rPr lang="en" sz="1200" dirty="0">
                 <a:solidFill>
                   <a:schemeClr val="dk1"/>
                 </a:solidFill>
               </a:rPr>
               <a:t> template: </a:t>
             </a:r>
-            <a:endParaRPr sz="1600" dirty="0">
+            <a:endParaRPr sz="1200" dirty="0">
               <a:solidFill>
                 <a:schemeClr val="dk1"/>
               </a:solidFill>
@@ -5682,7 +5722,7 @@
               <a:buChar char="●"/>
             </a:pPr>
             <a:r>
-              <a:rPr lang="en" sz="1600" dirty="0">
+              <a:rPr lang="en" sz="1200" dirty="0">
                 <a:solidFill>
                   <a:schemeClr val="dk1"/>
                 </a:solidFill>
@@ -5690,7 +5730,7 @@
               <a:t>A slide structure based on a multi-business XL template, which you can easily adapt to your needs. For more info on how to edit the template, please visit </a:t>
             </a:r>
             <a:r>
-              <a:rPr lang="en" sz="1600" b="1" dirty="0">
+              <a:rPr lang="en" sz="1200" b="1" dirty="0">
                 <a:solidFill>
                   <a:schemeClr val="dk1"/>
                 </a:solidFill>
@@ -5708,7 +5748,7 @@
               <a:t>Slidesgo School</a:t>
             </a:r>
             <a:r>
-              <a:rPr lang="en" sz="1600" dirty="0">
+              <a:rPr lang="en" sz="1200" dirty="0">
                 <a:solidFill>
                   <a:schemeClr val="dk1"/>
                 </a:solidFill>
@@ -5716,7 +5756,7 @@
               <a:t> or read our </a:t>
             </a:r>
             <a:r>
-              <a:rPr lang="en" sz="1600" b="1" dirty="0">
+              <a:rPr lang="en" sz="1200" b="1" dirty="0">
                 <a:solidFill>
                   <a:schemeClr val="dk1"/>
                 </a:solidFill>
@@ -5734,14 +5774,14 @@
               <a:t>FAQs</a:t>
             </a:r>
             <a:r>
-              <a:rPr lang="en" sz="1600" dirty="0">
+              <a:rPr lang="en" sz="1200" dirty="0">
                 <a:solidFill>
                   <a:schemeClr val="dk1"/>
                 </a:solidFill>
               </a:rPr>
               <a:t>.</a:t>
             </a:r>
-            <a:endParaRPr sz="1600" dirty="0">
+            <a:endParaRPr sz="1200" dirty="0">
               <a:solidFill>
                 <a:schemeClr val="dk1"/>
               </a:solidFill>
@@ -5762,7 +5802,7 @@
               <a:buChar char="●"/>
             </a:pPr>
             <a:r>
-              <a:rPr lang="en" sz="1600" dirty="0">
+              <a:rPr lang="en" sz="1200" dirty="0">
                 <a:solidFill>
                   <a:schemeClr val="dk1"/>
                 </a:solidFill>
@@ -5770,7 +5810,7 @@
               <a:t>To view this template in PowerPoint with the correct fonts, download and install on your computer </a:t>
             </a:r>
             <a:r>
-              <a:rPr lang="en" sz="1600" b="1" dirty="0">
+              <a:rPr lang="en" sz="1200" b="1" dirty="0">
                 <a:solidFill>
                   <a:schemeClr val="hlink"/>
                 </a:solidFill>
@@ -5782,7 +5822,7 @@
               <a:t>the fonts that we have used</a:t>
             </a:r>
             <a:r>
-              <a:rPr lang="en" sz="1600" dirty="0">
+              <a:rPr lang="en" sz="1200" dirty="0">
                 <a:solidFill>
                   <a:schemeClr val="dk1"/>
                 </a:solidFill>
@@ -5790,7 +5830,7 @@
               <a:t>. You can learn how to download and install fonts </a:t>
             </a:r>
             <a:r>
-              <a:rPr lang="en" sz="1600" b="1" dirty="0">
+              <a:rPr lang="en" sz="1200" b="1" dirty="0">
                 <a:solidFill>
                   <a:schemeClr val="hlink"/>
                 </a:solidFill>
@@ -5802,14 +5842,14 @@
               <a:t>here</a:t>
             </a:r>
             <a:r>
-              <a:rPr lang="en" sz="1600" dirty="0">
+              <a:rPr lang="en" sz="1200" dirty="0">
                 <a:solidFill>
                   <a:schemeClr val="dk1"/>
                 </a:solidFill>
               </a:rPr>
               <a:t>.</a:t>
             </a:r>
-            <a:endParaRPr sz="1600" dirty="0">
+            <a:endParaRPr sz="1200" dirty="0">
               <a:solidFill>
                 <a:schemeClr val="dk1"/>
               </a:solidFill>
@@ -5828,7 +5868,7 @@
               <a:buChar char="●"/>
             </a:pPr>
             <a:r>
-              <a:rPr lang="en" sz="1600" dirty="0">
+              <a:rPr lang="en" sz="1200" dirty="0">
                 <a:solidFill>
                   <a:schemeClr val="dk1"/>
                 </a:solidFill>
@@ -5836,7 +5876,7 @@
               <a:t>An assortment of graphic resources that are suitable for use in the presentation can be found in the </a:t>
             </a:r>
             <a:r>
-              <a:rPr lang="en" sz="1600" b="1" dirty="0">
+              <a:rPr lang="en" sz="1200" b="1" dirty="0">
                 <a:solidFill>
                   <a:schemeClr val="dk1"/>
                 </a:solidFill>
@@ -5844,7 +5884,7 @@
               <a:t>a</a:t>
             </a:r>
             <a:r>
-              <a:rPr lang="en" sz="1600" b="1" dirty="0">
+              <a:rPr lang="en" sz="1200" b="1" dirty="0">
                 <a:solidFill>
                   <a:schemeClr val="dk1"/>
                 </a:solidFill>
@@ -5862,14 +5902,14 @@
               <a:t>lternative resources</a:t>
             </a:r>
             <a:r>
-              <a:rPr lang="en" sz="1600" dirty="0">
+              <a:rPr lang="en" sz="1200" dirty="0">
                 <a:solidFill>
                   <a:schemeClr val="dk1"/>
                 </a:solidFill>
               </a:rPr>
               <a:t> slides.</a:t>
             </a:r>
-            <a:endParaRPr sz="1600" dirty="0">
+            <a:endParaRPr sz="1200" dirty="0">
               <a:solidFill>
                 <a:schemeClr val="dk1"/>
               </a:solidFill>
@@ -5888,7 +5928,7 @@
               <a:buChar char="●"/>
             </a:pPr>
             <a:r>
-              <a:rPr lang="en" sz="1600" dirty="0">
+              <a:rPr lang="en" sz="1200" dirty="0">
                 <a:solidFill>
                   <a:schemeClr val="dk1"/>
                 </a:solidFill>
@@ -5896,7 +5936,7 @@
               <a:t>A </a:t>
             </a:r>
             <a:r>
-              <a:rPr lang="en" sz="1600" b="1" dirty="0">
+              <a:rPr lang="en" sz="1200" b="1" dirty="0">
                 <a:solidFill>
                   <a:schemeClr val="dk1"/>
                 </a:solidFill>
@@ -5914,7 +5954,7 @@
               <a:t>thanks </a:t>
             </a:r>
             <a:r>
-              <a:rPr lang="en" sz="1600" dirty="0">
+              <a:rPr lang="en" sz="1200" dirty="0">
                 <a:solidFill>
                   <a:schemeClr val="dk1"/>
                 </a:solidFill>
@@ -5932,14 +5972,14 @@
               <a:t>slide</a:t>
             </a:r>
             <a:r>
-              <a:rPr lang="en" sz="1600" dirty="0">
+              <a:rPr lang="en" sz="1200" dirty="0">
                 <a:solidFill>
                   <a:schemeClr val="dk1"/>
                 </a:solidFill>
               </a:rPr>
               <a:t>, which you must keep so that proper credits for our design are given.</a:t>
             </a:r>
-            <a:endParaRPr sz="1600" dirty="0">
+            <a:endParaRPr sz="1200" dirty="0">
               <a:solidFill>
                 <a:schemeClr val="dk1"/>
               </a:solidFill>
@@ -5958,7 +5998,7 @@
               <a:buChar char="●"/>
             </a:pPr>
             <a:r>
-              <a:rPr lang="en" sz="1600" dirty="0">
+              <a:rPr lang="en" sz="1200" dirty="0">
                 <a:solidFill>
                   <a:schemeClr val="dk1"/>
                 </a:solidFill>
@@ -5966,7 +6006,7 @@
               <a:t>Several </a:t>
             </a:r>
             <a:r>
-              <a:rPr lang="en" sz="1600" b="1" dirty="0">
+              <a:rPr lang="en" sz="1200" b="1" dirty="0">
                 <a:solidFill>
                   <a:schemeClr val="dk1"/>
                 </a:solidFill>
@@ -5984,7 +6024,7 @@
               <a:t>resources</a:t>
             </a:r>
             <a:r>
-              <a:rPr lang="en" sz="1600" dirty="0">
+              <a:rPr lang="en" sz="1200" dirty="0">
                 <a:solidFill>
                   <a:schemeClr val="dk1"/>
                 </a:solidFill>
@@ -6002,14 +6042,14 @@
               <a:t> </a:t>
             </a:r>
             <a:r>
-              <a:rPr lang="en" sz="1600" dirty="0">
+              <a:rPr lang="en" sz="1200" dirty="0">
                 <a:solidFill>
                   <a:schemeClr val="dk1"/>
                 </a:solidFill>
               </a:rPr>
               <a:t>slides, where you’ll find links to all the elements used in the template.</a:t>
             </a:r>
-            <a:endParaRPr sz="1600" dirty="0">
+            <a:endParaRPr sz="1200" dirty="0">
               <a:solidFill>
                 <a:schemeClr val="dk1"/>
               </a:solidFill>
@@ -6028,7 +6068,7 @@
               <a:buChar char="●"/>
             </a:pPr>
             <a:r>
-              <a:rPr lang="en" sz="1600" b="1" dirty="0">
+              <a:rPr lang="en" sz="1200" b="1" dirty="0">
                 <a:solidFill>
                   <a:schemeClr val="dk1"/>
                 </a:solidFill>
@@ -6046,14 +6086,14 @@
               <a:t>Instructions for use</a:t>
             </a:r>
             <a:r>
-              <a:rPr lang="en" sz="1600" dirty="0">
+              <a:rPr lang="en" sz="1200" dirty="0">
                 <a:solidFill>
                   <a:schemeClr val="dk1"/>
                 </a:solidFill>
               </a:rPr>
               <a:t>.</a:t>
             </a:r>
-            <a:endParaRPr sz="1600" dirty="0">
+            <a:endParaRPr sz="1200" dirty="0">
               <a:solidFill>
                 <a:schemeClr val="dk1"/>
               </a:solidFill>
@@ -6072,14 +6112,14 @@
               <a:buChar char="●"/>
             </a:pPr>
             <a:r>
-              <a:rPr lang="en" sz="1600" dirty="0">
+              <a:rPr lang="en" sz="1200" dirty="0">
                 <a:solidFill>
                   <a:schemeClr val="dk1"/>
                 </a:solidFill>
               </a:rPr>
               <a:t>Final slides with: </a:t>
             </a:r>
-            <a:endParaRPr sz="1600" dirty="0">
+            <a:endParaRPr sz="1200" dirty="0">
               <a:solidFill>
                 <a:schemeClr val="dk1"/>
               </a:solidFill>
@@ -6098,7 +6138,7 @@
               <a:buChar char="●"/>
             </a:pPr>
             <a:r>
-              <a:rPr lang="en" sz="1600" dirty="0">
+              <a:rPr lang="en" sz="1200" dirty="0">
                 <a:solidFill>
                   <a:schemeClr val="dk1"/>
                 </a:solidFill>
@@ -6106,7 +6146,7 @@
               <a:t>The</a:t>
             </a:r>
             <a:r>
-              <a:rPr lang="en" sz="1600" dirty="0">
+              <a:rPr lang="en" sz="1200" dirty="0">
                 <a:solidFill>
                   <a:schemeClr val="dk1"/>
                 </a:solidFill>
@@ -6124,7 +6164,7 @@
               <a:t> </a:t>
             </a:r>
             <a:r>
-              <a:rPr lang="en" sz="1600" b="1" dirty="0">
+              <a:rPr lang="en" sz="1200" b="1" dirty="0">
                 <a:solidFill>
                   <a:schemeClr val="dk1"/>
                 </a:solidFill>
@@ -6142,14 +6182,14 @@
               <a:t>fonts and colors</a:t>
             </a:r>
             <a:r>
-              <a:rPr lang="en" sz="1600" dirty="0">
+              <a:rPr lang="en" sz="1200" dirty="0">
                 <a:solidFill>
                   <a:schemeClr val="dk1"/>
                 </a:solidFill>
               </a:rPr>
               <a:t> used in the template.</a:t>
             </a:r>
-            <a:endParaRPr sz="1600" dirty="0">
+            <a:endParaRPr sz="1200" dirty="0">
               <a:solidFill>
                 <a:schemeClr val="dk1"/>
               </a:solidFill>
@@ -6168,7 +6208,7 @@
               <a:buChar char="●"/>
             </a:pPr>
             <a:r>
-              <a:rPr lang="en" sz="1600" dirty="0">
+              <a:rPr lang="en" sz="1200" dirty="0">
                 <a:solidFill>
                   <a:schemeClr val="dk1"/>
                 </a:solidFill>
@@ -6176,7 +6216,7 @@
               <a:t>A selection of</a:t>
             </a:r>
             <a:r>
-              <a:rPr lang="en" sz="1600" b="1" dirty="0">
+              <a:rPr lang="en" sz="1200" b="1" dirty="0">
                 <a:solidFill>
                   <a:schemeClr val="dk1"/>
                 </a:solidFill>
@@ -6184,7 +6224,7 @@
               <a:t> </a:t>
             </a:r>
             <a:r>
-              <a:rPr lang="en" sz="1600" b="1" dirty="0">
+              <a:rPr lang="en" sz="1200" b="1" dirty="0">
                 <a:solidFill>
                   <a:schemeClr val="dk1"/>
                 </a:solidFill>
@@ -6202,7 +6242,7 @@
               <a:t>illustrations</a:t>
             </a:r>
             <a:r>
-              <a:rPr lang="en" sz="1600" dirty="0">
+              <a:rPr lang="en" sz="1200" dirty="0">
                 <a:solidFill>
                   <a:schemeClr val="dk1"/>
                 </a:solidFill>
@@ -6210,7 +6250,7 @@
               <a:t>. You can also customize and animate them as you wish with the online editor. Visit </a:t>
             </a:r>
             <a:r>
-              <a:rPr lang="en" sz="1600" b="1" dirty="0">
+              <a:rPr lang="en" sz="1200" b="1" dirty="0">
                 <a:solidFill>
                   <a:schemeClr val="dk1"/>
                 </a:solidFill>
@@ -6228,14 +6268,14 @@
               <a:t>Storyset</a:t>
             </a:r>
             <a:r>
-              <a:rPr lang="en" sz="1600" dirty="0">
+              <a:rPr lang="en" sz="1200" dirty="0">
                 <a:solidFill>
                   <a:schemeClr val="dk1"/>
                 </a:solidFill>
               </a:rPr>
               <a:t> to find more. </a:t>
             </a:r>
-            <a:endParaRPr sz="1600" dirty="0">
+            <a:endParaRPr sz="1200" dirty="0">
               <a:solidFill>
                 <a:schemeClr val="dk1"/>
               </a:solidFill>
@@ -6254,7 +6294,7 @@
               <a:buChar char="●"/>
             </a:pPr>
             <a:r>
-              <a:rPr lang="en" sz="1600" dirty="0">
+              <a:rPr lang="en" sz="1200" dirty="0">
                 <a:solidFill>
                   <a:schemeClr val="dk1"/>
                 </a:solidFill>
@@ -6262,7 +6302,7 @@
               <a:t>More</a:t>
             </a:r>
             <a:r>
-              <a:rPr lang="en" sz="1600" dirty="0">
+              <a:rPr lang="en" sz="1200" dirty="0">
                 <a:solidFill>
                   <a:schemeClr val="dk1"/>
                 </a:solidFill>
@@ -6280,7 +6320,7 @@
               <a:t> </a:t>
             </a:r>
             <a:r>
-              <a:rPr lang="en" sz="1600" b="1" dirty="0">
+              <a:rPr lang="en" sz="1200" b="1" dirty="0">
                 <a:solidFill>
                   <a:schemeClr val="dk1"/>
                 </a:solidFill>
@@ -6298,14 +6338,14 @@
               <a:t>infographic resources</a:t>
             </a:r>
             <a:r>
-              <a:rPr lang="en" sz="1600" dirty="0">
+              <a:rPr lang="en" sz="1200" dirty="0">
                 <a:solidFill>
                   <a:schemeClr val="dk1"/>
                 </a:solidFill>
               </a:rPr>
               <a:t>, whose size and color can be edited. </a:t>
             </a:r>
-            <a:endParaRPr sz="1600" dirty="0">
+            <a:endParaRPr sz="1200" dirty="0">
               <a:solidFill>
                 <a:schemeClr val="dk1"/>
               </a:solidFill>
@@ -6324,7 +6364,7 @@
               <a:buChar char="●"/>
             </a:pPr>
             <a:r>
-              <a:rPr lang="en" sz="1600" dirty="0">
+              <a:rPr lang="en" sz="1200" dirty="0">
                 <a:solidFill>
                   <a:schemeClr val="dk1"/>
                 </a:solidFill>
@@ -6332,7 +6372,7 @@
               <a:t>Sets of </a:t>
             </a:r>
             <a:r>
-              <a:rPr lang="en" sz="1600" b="1" dirty="0">
+              <a:rPr lang="en" sz="1200" b="1" dirty="0">
                 <a:solidFill>
                   <a:schemeClr val="dk1"/>
                 </a:solidFill>
@@ -6350,14 +6390,14 @@
               <a:t>customizable icons</a:t>
             </a:r>
             <a:r>
-              <a:rPr lang="en" sz="1600" dirty="0">
+              <a:rPr lang="en" sz="1200" dirty="0">
                 <a:solidFill>
                   <a:schemeClr val="dk1"/>
                 </a:solidFill>
               </a:rPr>
               <a:t> of the following themes: general, business, avatar, creative process, education, help &amp; support, medical, nature, performing arts, SEO &amp; marketing, and teamwork.</a:t>
             </a:r>
-            <a:endParaRPr sz="1600" dirty="0">
+            <a:endParaRPr sz="1200" dirty="0">
               <a:solidFill>
                 <a:schemeClr val="dk1"/>
               </a:solidFill>
@@ -6374,22 +6414,14 @@
               <a:buNone/>
             </a:pPr>
             <a:r>
-              <a:rPr lang="en" sz="1600" dirty="0">
+              <a:rPr lang="en" sz="1200" dirty="0">
                 <a:solidFill>
                   <a:schemeClr val="dk1"/>
                 </a:solidFill>
               </a:rPr>
-              <a:t>You can delete this slide when you’re done editing the presentation</a:t>
+              <a:t>You can delete this slide when you’re done editing the presentation.</a:t>
             </a:r>
-            <a:r>
-              <a:rPr lang="en" dirty="0">
-                <a:solidFill>
-                  <a:schemeClr val="dk1"/>
-                </a:solidFill>
-              </a:rPr>
-              <a:t>.</a:t>
-            </a:r>
-            <a:endParaRPr dirty="0"/>
+            <a:endParaRPr sz="1200" dirty="0"/>
           </a:p>
         </p:txBody>
       </p:sp>
@@ -6489,7 +6521,7 @@
           <a:bodyPr/>
           <a:lstStyle/>
           <a:p>
-            <a:endParaRPr lang="es-ES"/>
+            <a:endParaRPr lang="es-ES" dirty="0"/>
           </a:p>
         </p:txBody>
       </p:sp>

--- a/templates/Minimalista.pptx
+++ b/templates/Minimalista.pptx
@@ -5,43 +5,30 @@
     <p:sldMasterId id="2147483704" r:id="rId1"/>
   </p:sldMasterIdLst>
   <p:notesMasterIdLst>
-    <p:notesMasterId r:id="rId7"/>
+    <p:notesMasterId r:id="rId6"/>
   </p:notesMasterIdLst>
   <p:handoutMasterIdLst>
-    <p:handoutMasterId r:id="rId8"/>
+    <p:handoutMasterId r:id="rId7"/>
   </p:handoutMasterIdLst>
   <p:sldIdLst>
     <p:sldId id="256" r:id="rId2"/>
     <p:sldId id="257" r:id="rId3"/>
-    <p:sldId id="347" r:id="rId4"/>
-    <p:sldId id="349" r:id="rId5"/>
-    <p:sldId id="348" r:id="rId6"/>
+    <p:sldId id="258" r:id="rId4"/>
+    <p:sldId id="259" r:id="rId5"/>
   </p:sldIdLst>
   <p:sldSz cx="9144000" cy="5143500" type="screen16x9"/>
   <p:notesSz cx="6858000" cy="9144000"/>
   <p:embeddedFontLst>
     <p:embeddedFont>
-      <p:font typeface="Lato" panose="020F0502020204030203" pitchFamily="34" charset="0"/>
-      <p:regular r:id="rId9"/>
-      <p:bold r:id="rId10"/>
-      <p:italic r:id="rId11"/>
-      <p:boldItalic r:id="rId12"/>
-    </p:embeddedFont>
-    <p:embeddedFont>
       <p:font typeface="Montserrat" panose="00000500000000000000" pitchFamily="2" charset="0"/>
-      <p:regular r:id="rId13"/>
-      <p:bold r:id="rId14"/>
-      <p:italic r:id="rId15"/>
-      <p:boldItalic r:id="rId16"/>
-    </p:embeddedFont>
-    <p:embeddedFont>
-      <p:font typeface="Montserrat Medium" panose="00000600000000000000" pitchFamily="2" charset="0"/>
-      <p:regular r:id="rId17"/>
-      <p:italic r:id="rId18"/>
+      <p:regular r:id="rId8"/>
+      <p:bold r:id="rId9"/>
+      <p:italic r:id="rId10"/>
+      <p:boldItalic r:id="rId11"/>
     </p:embeddedFont>
     <p:embeddedFont>
       <p:font typeface="Vidaloka" panose="020B0604020202020204" charset="0"/>
-      <p:regular r:id="rId19"/>
+      <p:regular r:id="rId12"/>
     </p:embeddedFont>
   </p:embeddedFontLst>
   <p:defaultTextStyle>
@@ -378,7 +365,7 @@
           <a:p>
             <a:fld id="{20547E21-CE16-4677-9A45-E0ED1AC6093B}" type="datetimeFigureOut">
               <a:rPr lang="es-ES" smtClean="0"/>
-              <a:t>25/05/2025</a:t>
+              <a:t>30/05/2025</a:t>
             </a:fld>
             <a:endParaRPr lang="es-ES"/>
           </a:p>
@@ -914,1791 +901,9 @@
 </p:notesMaster>
 </file>
 
-<file path=ppt/notesSlides/notesSlide1.xml><?xml version="1.0" encoding="utf-8"?>
-<p:notes xmlns:a="http://schemas.openxmlformats.org/drawingml/2006/main" xmlns:r="http://schemas.openxmlformats.org/officeDocument/2006/relationships" xmlns:p="http://schemas.openxmlformats.org/presentationml/2006/main" showMasterSp="0" showMasterPhAnim="0">
-  <p:cSld>
-    <p:spTree>
-      <p:nvGrpSpPr>
-        <p:cNvPr id="1" name="Shape 484"/>
-        <p:cNvGrpSpPr/>
-        <p:nvPr/>
-      </p:nvGrpSpPr>
-      <p:grpSpPr>
-        <a:xfrm>
-          <a:off x="0" y="0"/>
-          <a:ext cx="0" cy="0"/>
-          <a:chOff x="0" y="0"/>
-          <a:chExt cx="0" cy="0"/>
-        </a:xfrm>
-      </p:grpSpPr>
-      <p:sp>
-        <p:nvSpPr>
-          <p:cNvPr id="485" name="Google Shape;485;p:notes"/>
-          <p:cNvSpPr>
-            <a:spLocks noGrp="1" noRot="1" noChangeAspect="1"/>
-          </p:cNvSpPr>
-          <p:nvPr>
-            <p:ph type="sldImg" idx="2"/>
-          </p:nvPr>
-        </p:nvSpPr>
-        <p:spPr>
-          <a:xfrm>
-            <a:off x="381000" y="685800"/>
-            <a:ext cx="6096000" cy="3429000"/>
-          </a:xfrm>
-          <a:custGeom>
-            <a:avLst/>
-            <a:gdLst/>
-            <a:ahLst/>
-            <a:cxnLst/>
-            <a:rect l="l" t="t" r="r" b="b"/>
-            <a:pathLst>
-              <a:path w="120000" h="120000" extrusionOk="0">
-                <a:moveTo>
-                  <a:pt x="0" y="0"/>
-                </a:moveTo>
-                <a:lnTo>
-                  <a:pt x="120000" y="0"/>
-                </a:lnTo>
-                <a:lnTo>
-                  <a:pt x="120000" y="120000"/>
-                </a:lnTo>
-                <a:lnTo>
-                  <a:pt x="0" y="120000"/>
-                </a:lnTo>
-                <a:close/>
-              </a:path>
-            </a:pathLst>
-          </a:custGeom>
-        </p:spPr>
-      </p:sp>
-      <p:sp>
-        <p:nvSpPr>
-          <p:cNvPr id="486" name="Google Shape;486;p:notes"/>
-          <p:cNvSpPr txBox="1">
-            <a:spLocks noGrp="1"/>
-          </p:cNvSpPr>
-          <p:nvPr>
-            <p:ph type="body" idx="1"/>
-          </p:nvPr>
-        </p:nvSpPr>
-        <p:spPr>
-          <a:xfrm>
-            <a:off x="685800" y="4343400"/>
-            <a:ext cx="5486400" cy="4114800"/>
-          </a:xfrm>
-          <a:prstGeom prst="rect">
-            <a:avLst/>
-          </a:prstGeom>
-        </p:spPr>
-        <p:txBody>
-          <a:bodyPr spcFirstLastPara="1" wrap="square" lIns="91425" tIns="91425" rIns="91425" bIns="91425" anchor="t" anchorCtr="0">
-            <a:noAutofit/>
-          </a:bodyPr>
-          <a:lstStyle/>
-          <a:p>
-            <a:pPr marL="0" lvl="0" indent="0" algn="l" rtl="0">
-              <a:spcBef>
-                <a:spcPts val="0"/>
-              </a:spcBef>
-              <a:spcAft>
-                <a:spcPts val="0"/>
-              </a:spcAft>
-              <a:buNone/>
-            </a:pPr>
-            <a:endParaRPr/>
-          </a:p>
-        </p:txBody>
-      </p:sp>
-    </p:spTree>
-  </p:cSld>
-  <p:clrMapOvr>
-    <a:masterClrMapping/>
-  </p:clrMapOvr>
-</p:notes>
-</file>
-
-<file path=ppt/notesSlides/notesSlide2.xml><?xml version="1.0" encoding="utf-8"?>
-<p:notes xmlns:a="http://schemas.openxmlformats.org/drawingml/2006/main" xmlns:r="http://schemas.openxmlformats.org/officeDocument/2006/relationships" xmlns:p="http://schemas.openxmlformats.org/presentationml/2006/main" showMasterSp="0" showMasterPhAnim="0">
-  <p:cSld>
-    <p:spTree>
-      <p:nvGrpSpPr>
-        <p:cNvPr id="1" name="Shape 490"/>
-        <p:cNvGrpSpPr/>
-        <p:nvPr/>
-      </p:nvGrpSpPr>
-      <p:grpSpPr>
-        <a:xfrm>
-          <a:off x="0" y="0"/>
-          <a:ext cx="0" cy="0"/>
-          <a:chOff x="0" y="0"/>
-          <a:chExt cx="0" cy="0"/>
-        </a:xfrm>
-      </p:grpSpPr>
-      <p:sp>
-        <p:nvSpPr>
-          <p:cNvPr id="491" name="Google Shape;491;gcc7554a049_0_358:notes"/>
-          <p:cNvSpPr>
-            <a:spLocks noGrp="1" noRot="1" noChangeAspect="1"/>
-          </p:cNvSpPr>
-          <p:nvPr>
-            <p:ph type="sldImg" idx="2"/>
-          </p:nvPr>
-        </p:nvSpPr>
-        <p:spPr>
-          <a:xfrm>
-            <a:off x="381000" y="685800"/>
-            <a:ext cx="6096000" cy="3429000"/>
-          </a:xfrm>
-          <a:custGeom>
-            <a:avLst/>
-            <a:gdLst/>
-            <a:ahLst/>
-            <a:cxnLst/>
-            <a:rect l="l" t="t" r="r" b="b"/>
-            <a:pathLst>
-              <a:path w="120000" h="120000" extrusionOk="0">
-                <a:moveTo>
-                  <a:pt x="0" y="0"/>
-                </a:moveTo>
-                <a:lnTo>
-                  <a:pt x="120000" y="0"/>
-                </a:lnTo>
-                <a:lnTo>
-                  <a:pt x="120000" y="120000"/>
-                </a:lnTo>
-                <a:lnTo>
-                  <a:pt x="0" y="120000"/>
-                </a:lnTo>
-                <a:close/>
-              </a:path>
-            </a:pathLst>
-          </a:custGeom>
-        </p:spPr>
-      </p:sp>
-      <p:sp>
-        <p:nvSpPr>
-          <p:cNvPr id="492" name="Google Shape;492;gcc7554a049_0_358:notes"/>
-          <p:cNvSpPr txBox="1">
-            <a:spLocks noGrp="1"/>
-          </p:cNvSpPr>
-          <p:nvPr>
-            <p:ph type="body" idx="1"/>
-          </p:nvPr>
-        </p:nvSpPr>
-        <p:spPr>
-          <a:xfrm>
-            <a:off x="685800" y="4343400"/>
-            <a:ext cx="5486400" cy="4114800"/>
-          </a:xfrm>
-          <a:prstGeom prst="rect">
-            <a:avLst/>
-          </a:prstGeom>
-        </p:spPr>
-        <p:txBody>
-          <a:bodyPr spcFirstLastPara="1" wrap="square" lIns="91425" tIns="91425" rIns="91425" bIns="91425" anchor="t" anchorCtr="0">
-            <a:noAutofit/>
-          </a:bodyPr>
-          <a:lstStyle/>
-          <a:p>
-            <a:pPr marL="0" lvl="0" indent="0" algn="l" rtl="0">
-              <a:spcBef>
-                <a:spcPts val="0"/>
-              </a:spcBef>
-              <a:spcAft>
-                <a:spcPts val="0"/>
-              </a:spcAft>
-              <a:buNone/>
-            </a:pPr>
-            <a:endParaRPr/>
-          </a:p>
-        </p:txBody>
-      </p:sp>
-    </p:spTree>
-  </p:cSld>
-  <p:clrMapOvr>
-    <a:masterClrMapping/>
-  </p:clrMapOvr>
-</p:notes>
-</file>
-
 <file path=ppt/slideLayouts/slideLayout1.xml><?xml version="1.0" encoding="utf-8"?>
-<p:sldLayout xmlns:a="http://schemas.openxmlformats.org/drawingml/2006/main" xmlns:r="http://schemas.openxmlformats.org/officeDocument/2006/relationships" xmlns:p="http://schemas.openxmlformats.org/presentationml/2006/main" matchingName="Title slide" type="title">
-  <p:cSld name="introduzione">
-    <p:bg>
-      <p:bgPr>
-        <a:gradFill>
-          <a:gsLst>
-            <a:gs pos="0">
-              <a:schemeClr val="accent1">
-                <a:lumMod val="5000"/>
-                <a:lumOff val="95000"/>
-              </a:schemeClr>
-            </a:gs>
-            <a:gs pos="74000">
-              <a:schemeClr val="accent1">
-                <a:lumMod val="45000"/>
-                <a:lumOff val="55000"/>
-              </a:schemeClr>
-            </a:gs>
-            <a:gs pos="83000">
-              <a:schemeClr val="accent1">
-                <a:lumMod val="45000"/>
-                <a:lumOff val="55000"/>
-              </a:schemeClr>
-            </a:gs>
-            <a:gs pos="100000">
-              <a:schemeClr val="accent1">
-                <a:lumMod val="30000"/>
-                <a:lumOff val="70000"/>
-              </a:schemeClr>
-            </a:gs>
-          </a:gsLst>
-          <a:lin ang="5400000" scaled="1"/>
-        </a:gradFill>
-        <a:effectLst/>
-      </p:bgPr>
-    </p:bg>
-    <p:spTree>
-      <p:nvGrpSpPr>
-        <p:cNvPr id="1" name="Shape 8"/>
-        <p:cNvGrpSpPr/>
-        <p:nvPr/>
-      </p:nvGrpSpPr>
-      <p:grpSpPr>
-        <a:xfrm>
-          <a:off x="0" y="0"/>
-          <a:ext cx="0" cy="0"/>
-          <a:chOff x="0" y="0"/>
-          <a:chExt cx="0" cy="0"/>
-        </a:xfrm>
-      </p:grpSpPr>
-      <p:sp>
-        <p:nvSpPr>
-          <p:cNvPr id="9" name="Google Shape;9;p2"/>
-          <p:cNvSpPr txBox="1">
-            <a:spLocks noGrp="1"/>
-          </p:cNvSpPr>
-          <p:nvPr>
-            <p:ph type="ctrTitle"/>
-          </p:nvPr>
-        </p:nvSpPr>
-        <p:spPr>
-          <a:xfrm>
-            <a:off x="1039975" y="1324500"/>
-            <a:ext cx="7064100" cy="2052600"/>
-          </a:xfrm>
-          <a:prstGeom prst="rect">
-            <a:avLst/>
-          </a:prstGeom>
-        </p:spPr>
-        <p:txBody>
-          <a:bodyPr spcFirstLastPara="1" wrap="square" lIns="91425" tIns="91425" rIns="91425" bIns="91425" anchor="b" anchorCtr="0">
-            <a:noAutofit/>
-          </a:bodyPr>
-          <a:lstStyle>
-            <a:lvl1pPr lvl="0" algn="ctr">
-              <a:spcBef>
-                <a:spcPts val="0"/>
-              </a:spcBef>
-              <a:spcAft>
-                <a:spcPts val="0"/>
-              </a:spcAft>
-              <a:buSzPts val="5200"/>
-              <a:buNone/>
-              <a:defRPr sz="4000"/>
-            </a:lvl1pPr>
-            <a:lvl2pPr lvl="1" algn="ctr">
-              <a:spcBef>
-                <a:spcPts val="0"/>
-              </a:spcBef>
-              <a:spcAft>
-                <a:spcPts val="0"/>
-              </a:spcAft>
-              <a:buSzPts val="5200"/>
-              <a:buNone/>
-              <a:defRPr sz="5200"/>
-            </a:lvl2pPr>
-            <a:lvl3pPr lvl="2" algn="ctr">
-              <a:spcBef>
-                <a:spcPts val="0"/>
-              </a:spcBef>
-              <a:spcAft>
-                <a:spcPts val="0"/>
-              </a:spcAft>
-              <a:buSzPts val="5200"/>
-              <a:buNone/>
-              <a:defRPr sz="5200"/>
-            </a:lvl3pPr>
-            <a:lvl4pPr lvl="3" algn="ctr">
-              <a:spcBef>
-                <a:spcPts val="0"/>
-              </a:spcBef>
-              <a:spcAft>
-                <a:spcPts val="0"/>
-              </a:spcAft>
-              <a:buSzPts val="5200"/>
-              <a:buNone/>
-              <a:defRPr sz="5200"/>
-            </a:lvl4pPr>
-            <a:lvl5pPr lvl="4" algn="ctr">
-              <a:spcBef>
-                <a:spcPts val="0"/>
-              </a:spcBef>
-              <a:spcAft>
-                <a:spcPts val="0"/>
-              </a:spcAft>
-              <a:buSzPts val="5200"/>
-              <a:buNone/>
-              <a:defRPr sz="5200"/>
-            </a:lvl5pPr>
-            <a:lvl6pPr lvl="5" algn="ctr">
-              <a:spcBef>
-                <a:spcPts val="0"/>
-              </a:spcBef>
-              <a:spcAft>
-                <a:spcPts val="0"/>
-              </a:spcAft>
-              <a:buSzPts val="5200"/>
-              <a:buNone/>
-              <a:defRPr sz="5200"/>
-            </a:lvl6pPr>
-            <a:lvl7pPr lvl="6" algn="ctr">
-              <a:spcBef>
-                <a:spcPts val="0"/>
-              </a:spcBef>
-              <a:spcAft>
-                <a:spcPts val="0"/>
-              </a:spcAft>
-              <a:buSzPts val="5200"/>
-              <a:buNone/>
-              <a:defRPr sz="5200"/>
-            </a:lvl7pPr>
-            <a:lvl8pPr lvl="7" algn="ctr">
-              <a:spcBef>
-                <a:spcPts val="0"/>
-              </a:spcBef>
-              <a:spcAft>
-                <a:spcPts val="0"/>
-              </a:spcAft>
-              <a:buSzPts val="5200"/>
-              <a:buNone/>
-              <a:defRPr sz="5200"/>
-            </a:lvl8pPr>
-            <a:lvl9pPr lvl="8" algn="ctr">
-              <a:spcBef>
-                <a:spcPts val="0"/>
-              </a:spcBef>
-              <a:spcAft>
-                <a:spcPts val="0"/>
-              </a:spcAft>
-              <a:buSzPts val="5200"/>
-              <a:buNone/>
-              <a:defRPr sz="5200"/>
-            </a:lvl9pPr>
-          </a:lstStyle>
-          <a:p>
-            <a:endParaRPr dirty="0"/>
-          </a:p>
-        </p:txBody>
-      </p:sp>
-      <p:sp>
-        <p:nvSpPr>
-          <p:cNvPr id="10" name="Google Shape;10;p2"/>
-          <p:cNvSpPr txBox="1">
-            <a:spLocks noGrp="1"/>
-          </p:cNvSpPr>
-          <p:nvPr>
-            <p:ph type="subTitle" idx="1"/>
-          </p:nvPr>
-        </p:nvSpPr>
-        <p:spPr>
-          <a:xfrm>
-            <a:off x="1040000" y="3377100"/>
-            <a:ext cx="7064100" cy="441900"/>
-          </a:xfrm>
-          <a:prstGeom prst="rect">
-            <a:avLst/>
-          </a:prstGeom>
-        </p:spPr>
-        <p:txBody>
-          <a:bodyPr spcFirstLastPara="1" wrap="square" lIns="91425" tIns="91425" rIns="91425" bIns="91425" anchor="b" anchorCtr="0">
-            <a:noAutofit/>
-          </a:bodyPr>
-          <a:lstStyle>
-            <a:lvl1pPr lvl="0" algn="ctr">
-              <a:lnSpc>
-                <a:spcPct val="100000"/>
-              </a:lnSpc>
-              <a:spcBef>
-                <a:spcPts val="0"/>
-              </a:spcBef>
-              <a:spcAft>
-                <a:spcPts val="0"/>
-              </a:spcAft>
-              <a:buSzPts val="2800"/>
-              <a:buNone/>
-              <a:defRPr sz="1600"/>
-            </a:lvl1pPr>
-            <a:lvl2pPr lvl="1" algn="ctr">
-              <a:lnSpc>
-                <a:spcPct val="100000"/>
-              </a:lnSpc>
-              <a:spcBef>
-                <a:spcPts val="0"/>
-              </a:spcBef>
-              <a:spcAft>
-                <a:spcPts val="0"/>
-              </a:spcAft>
-              <a:buSzPts val="2800"/>
-              <a:buNone/>
-              <a:defRPr sz="2800"/>
-            </a:lvl2pPr>
-            <a:lvl3pPr lvl="2" algn="ctr">
-              <a:lnSpc>
-                <a:spcPct val="100000"/>
-              </a:lnSpc>
-              <a:spcBef>
-                <a:spcPts val="0"/>
-              </a:spcBef>
-              <a:spcAft>
-                <a:spcPts val="0"/>
-              </a:spcAft>
-              <a:buSzPts val="2800"/>
-              <a:buNone/>
-              <a:defRPr sz="2800"/>
-            </a:lvl3pPr>
-            <a:lvl4pPr lvl="3" algn="ctr">
-              <a:lnSpc>
-                <a:spcPct val="100000"/>
-              </a:lnSpc>
-              <a:spcBef>
-                <a:spcPts val="0"/>
-              </a:spcBef>
-              <a:spcAft>
-                <a:spcPts val="0"/>
-              </a:spcAft>
-              <a:buSzPts val="2800"/>
-              <a:buNone/>
-              <a:defRPr sz="2800"/>
-            </a:lvl4pPr>
-            <a:lvl5pPr lvl="4" algn="ctr">
-              <a:lnSpc>
-                <a:spcPct val="100000"/>
-              </a:lnSpc>
-              <a:spcBef>
-                <a:spcPts val="0"/>
-              </a:spcBef>
-              <a:spcAft>
-                <a:spcPts val="0"/>
-              </a:spcAft>
-              <a:buSzPts val="2800"/>
-              <a:buNone/>
-              <a:defRPr sz="2800"/>
-            </a:lvl5pPr>
-            <a:lvl6pPr lvl="5" algn="ctr">
-              <a:lnSpc>
-                <a:spcPct val="100000"/>
-              </a:lnSpc>
-              <a:spcBef>
-                <a:spcPts val="0"/>
-              </a:spcBef>
-              <a:spcAft>
-                <a:spcPts val="0"/>
-              </a:spcAft>
-              <a:buSzPts val="2800"/>
-              <a:buNone/>
-              <a:defRPr sz="2800"/>
-            </a:lvl6pPr>
-            <a:lvl7pPr lvl="6" algn="ctr">
-              <a:lnSpc>
-                <a:spcPct val="100000"/>
-              </a:lnSpc>
-              <a:spcBef>
-                <a:spcPts val="0"/>
-              </a:spcBef>
-              <a:spcAft>
-                <a:spcPts val="0"/>
-              </a:spcAft>
-              <a:buSzPts val="2800"/>
-              <a:buNone/>
-              <a:defRPr sz="2800"/>
-            </a:lvl7pPr>
-            <a:lvl8pPr lvl="7" algn="ctr">
-              <a:lnSpc>
-                <a:spcPct val="100000"/>
-              </a:lnSpc>
-              <a:spcBef>
-                <a:spcPts val="0"/>
-              </a:spcBef>
-              <a:spcAft>
-                <a:spcPts val="0"/>
-              </a:spcAft>
-              <a:buSzPts val="2800"/>
-              <a:buNone/>
-              <a:defRPr sz="2800"/>
-            </a:lvl8pPr>
-            <a:lvl9pPr lvl="8" algn="ctr">
-              <a:lnSpc>
-                <a:spcPct val="100000"/>
-              </a:lnSpc>
-              <a:spcBef>
-                <a:spcPts val="0"/>
-              </a:spcBef>
-              <a:spcAft>
-                <a:spcPts val="0"/>
-              </a:spcAft>
-              <a:buSzPts val="2800"/>
-              <a:buNone/>
-              <a:defRPr sz="2800"/>
-            </a:lvl9pPr>
-          </a:lstStyle>
-          <a:p>
-            <a:endParaRPr dirty="0"/>
-          </a:p>
-        </p:txBody>
-      </p:sp>
-      <p:cxnSp>
-        <p:nvCxnSpPr>
-          <p:cNvPr id="11" name="Google Shape;11;p2"/>
-          <p:cNvCxnSpPr/>
-          <p:nvPr/>
-        </p:nvCxnSpPr>
-        <p:spPr>
-          <a:xfrm>
-            <a:off x="-72550" y="274100"/>
-            <a:ext cx="9287400" cy="0"/>
-          </a:xfrm>
-          <a:prstGeom prst="straightConnector1">
-            <a:avLst/>
-          </a:prstGeom>
-          <a:noFill/>
-          <a:ln w="28575" cap="flat" cmpd="sng">
-            <a:solidFill>
-              <a:schemeClr val="accent1"/>
-            </a:solidFill>
-            <a:prstDash val="solid"/>
-            <a:round/>
-            <a:headEnd type="none" w="med" len="med"/>
-            <a:tailEnd type="none" w="med" len="med"/>
-          </a:ln>
-        </p:spPr>
-      </p:cxnSp>
-      <p:cxnSp>
-        <p:nvCxnSpPr>
-          <p:cNvPr id="12" name="Google Shape;12;p2"/>
-          <p:cNvCxnSpPr/>
-          <p:nvPr/>
-        </p:nvCxnSpPr>
-        <p:spPr>
-          <a:xfrm flipH="1">
-            <a:off x="-257975" y="-72550"/>
-            <a:ext cx="3047400" cy="1346400"/>
-          </a:xfrm>
-          <a:prstGeom prst="curvedConnector3">
-            <a:avLst>
-              <a:gd name="adj1" fmla="val 50000"/>
-            </a:avLst>
-          </a:prstGeom>
-          <a:noFill/>
-          <a:ln w="28575" cap="flat" cmpd="sng">
-            <a:solidFill>
-              <a:schemeClr val="accent2"/>
-            </a:solidFill>
-            <a:prstDash val="solid"/>
-            <a:round/>
-            <a:headEnd type="none" w="med" len="med"/>
-            <a:tailEnd type="none" w="med" len="med"/>
-          </a:ln>
-        </p:spPr>
-      </p:cxnSp>
-      <p:cxnSp>
-        <p:nvCxnSpPr>
-          <p:cNvPr id="13" name="Google Shape;13;p2"/>
-          <p:cNvCxnSpPr/>
-          <p:nvPr/>
-        </p:nvCxnSpPr>
-        <p:spPr>
-          <a:xfrm>
-            <a:off x="-72550" y="4877450"/>
-            <a:ext cx="9287400" cy="0"/>
-          </a:xfrm>
-          <a:prstGeom prst="straightConnector1">
-            <a:avLst/>
-          </a:prstGeom>
-          <a:noFill/>
-          <a:ln w="28575" cap="flat" cmpd="sng">
-            <a:solidFill>
-              <a:schemeClr val="accent1"/>
-            </a:solidFill>
-            <a:prstDash val="solid"/>
-            <a:round/>
-            <a:headEnd type="none" w="med" len="med"/>
-            <a:tailEnd type="none" w="med" len="med"/>
-          </a:ln>
-        </p:spPr>
-      </p:cxnSp>
-      <p:cxnSp>
-        <p:nvCxnSpPr>
-          <p:cNvPr id="14" name="Google Shape;14;p2"/>
-          <p:cNvCxnSpPr/>
-          <p:nvPr/>
-        </p:nvCxnSpPr>
-        <p:spPr>
-          <a:xfrm flipH="1">
-            <a:off x="6467450" y="3935375"/>
-            <a:ext cx="3047400" cy="1346400"/>
-          </a:xfrm>
-          <a:prstGeom prst="curvedConnector3">
-            <a:avLst>
-              <a:gd name="adj1" fmla="val 50000"/>
-            </a:avLst>
-          </a:prstGeom>
-          <a:noFill/>
-          <a:ln w="28575" cap="flat" cmpd="sng">
-            <a:solidFill>
-              <a:schemeClr val="accent2"/>
-            </a:solidFill>
-            <a:prstDash val="solid"/>
-            <a:round/>
-            <a:headEnd type="none" w="med" len="med"/>
-            <a:tailEnd type="none" w="med" len="med"/>
-          </a:ln>
-        </p:spPr>
-      </p:cxnSp>
-    </p:spTree>
-  </p:cSld>
-  <p:clrMapOvr>
-    <a:masterClrMapping/>
-  </p:clrMapOvr>
-</p:sldLayout>
-</file>
-
-<file path=ppt/slideLayouts/slideLayout10.xml><?xml version="1.0" encoding="utf-8"?>
-<p:sldLayout xmlns:a="http://schemas.openxmlformats.org/drawingml/2006/main" xmlns:r="http://schemas.openxmlformats.org/officeDocument/2006/relationships" xmlns:p="http://schemas.openxmlformats.org/presentationml/2006/main" matchingName="Background 2">
-  <p:cSld name="CUSTOM_10_1_1">
-    <p:spTree>
-      <p:nvGrpSpPr>
-        <p:cNvPr id="1" name="Shape 463"/>
-        <p:cNvGrpSpPr/>
-        <p:nvPr/>
-      </p:nvGrpSpPr>
-      <p:grpSpPr>
-        <a:xfrm>
-          <a:off x="0" y="0"/>
-          <a:ext cx="0" cy="0"/>
-          <a:chOff x="0" y="0"/>
-          <a:chExt cx="0" cy="0"/>
-        </a:xfrm>
-      </p:grpSpPr>
-      <p:cxnSp>
-        <p:nvCxnSpPr>
-          <p:cNvPr id="464" name="Google Shape;464;p53"/>
-          <p:cNvCxnSpPr/>
-          <p:nvPr/>
-        </p:nvCxnSpPr>
-        <p:spPr>
-          <a:xfrm>
-            <a:off x="-72550" y="4877450"/>
-            <a:ext cx="9287400" cy="0"/>
-          </a:xfrm>
-          <a:prstGeom prst="straightConnector1">
-            <a:avLst/>
-          </a:prstGeom>
-          <a:noFill/>
-          <a:ln w="28575" cap="flat" cmpd="sng">
-            <a:solidFill>
-              <a:schemeClr val="accent1"/>
-            </a:solidFill>
-            <a:prstDash val="solid"/>
-            <a:round/>
-            <a:headEnd type="none" w="med" len="med"/>
-            <a:tailEnd type="none" w="med" len="med"/>
-          </a:ln>
-        </p:spPr>
-      </p:cxnSp>
-      <p:cxnSp>
-        <p:nvCxnSpPr>
-          <p:cNvPr id="465" name="Google Shape;465;p53"/>
-          <p:cNvCxnSpPr/>
-          <p:nvPr/>
-        </p:nvCxnSpPr>
-        <p:spPr>
-          <a:xfrm>
-            <a:off x="-72550" y="274100"/>
-            <a:ext cx="9287400" cy="0"/>
-          </a:xfrm>
-          <a:prstGeom prst="straightConnector1">
-            <a:avLst/>
-          </a:prstGeom>
-          <a:noFill/>
-          <a:ln w="28575" cap="flat" cmpd="sng">
-            <a:solidFill>
-              <a:schemeClr val="accent1"/>
-            </a:solidFill>
-            <a:prstDash val="solid"/>
-            <a:round/>
-            <a:headEnd type="none" w="med" len="med"/>
-            <a:tailEnd type="none" w="med" len="med"/>
-          </a:ln>
-        </p:spPr>
-      </p:cxnSp>
-      <p:cxnSp>
-        <p:nvCxnSpPr>
-          <p:cNvPr id="466" name="Google Shape;466;p53"/>
-          <p:cNvCxnSpPr/>
-          <p:nvPr/>
-        </p:nvCxnSpPr>
-        <p:spPr>
-          <a:xfrm flipH="1">
-            <a:off x="6772150" y="3663450"/>
-            <a:ext cx="2823300" cy="1633200"/>
-          </a:xfrm>
-          <a:prstGeom prst="curvedConnector3">
-            <a:avLst>
-              <a:gd name="adj1" fmla="val 50000"/>
-            </a:avLst>
-          </a:prstGeom>
-          <a:noFill/>
-          <a:ln w="28575" cap="flat" cmpd="sng">
-            <a:solidFill>
-              <a:schemeClr val="accent2"/>
-            </a:solidFill>
-            <a:prstDash val="solid"/>
-            <a:round/>
-            <a:headEnd type="none" w="med" len="med"/>
-            <a:tailEnd type="none" w="med" len="med"/>
-          </a:ln>
-        </p:spPr>
-      </p:cxnSp>
-    </p:spTree>
-  </p:cSld>
-  <p:clrMapOvr>
-    <a:masterClrMapping/>
-  </p:clrMapOvr>
-</p:sldLayout>
-</file>
-
-<file path=ppt/slideLayouts/slideLayout11.xml><?xml version="1.0" encoding="utf-8"?>
-<p:sldLayout xmlns:a="http://schemas.openxmlformats.org/drawingml/2006/main" xmlns:r="http://schemas.openxmlformats.org/officeDocument/2006/relationships" xmlns:p="http://schemas.openxmlformats.org/presentationml/2006/main" matchingName="Background 3">
-  <p:cSld name="CUSTOM_30">
-    <p:spTree>
-      <p:nvGrpSpPr>
-        <p:cNvPr id="1" name="Shape 467"/>
-        <p:cNvGrpSpPr/>
-        <p:nvPr/>
-      </p:nvGrpSpPr>
-      <p:grpSpPr>
-        <a:xfrm>
-          <a:off x="0" y="0"/>
-          <a:ext cx="0" cy="0"/>
-          <a:chOff x="0" y="0"/>
-          <a:chExt cx="0" cy="0"/>
-        </a:xfrm>
-      </p:grpSpPr>
-      <p:cxnSp>
-        <p:nvCxnSpPr>
-          <p:cNvPr id="468" name="Google Shape;468;p54"/>
-          <p:cNvCxnSpPr/>
-          <p:nvPr/>
-        </p:nvCxnSpPr>
-        <p:spPr>
-          <a:xfrm>
-            <a:off x="-72550" y="274100"/>
-            <a:ext cx="9287400" cy="0"/>
-          </a:xfrm>
-          <a:prstGeom prst="straightConnector1">
-            <a:avLst/>
-          </a:prstGeom>
-          <a:noFill/>
-          <a:ln w="28575" cap="flat" cmpd="sng">
-            <a:solidFill>
-              <a:schemeClr val="accent1"/>
-            </a:solidFill>
-            <a:prstDash val="solid"/>
-            <a:round/>
-            <a:headEnd type="none" w="med" len="med"/>
-            <a:tailEnd type="none" w="med" len="med"/>
-          </a:ln>
-        </p:spPr>
-      </p:cxnSp>
-      <p:cxnSp>
-        <p:nvCxnSpPr>
-          <p:cNvPr id="469" name="Google Shape;469;p54"/>
-          <p:cNvCxnSpPr/>
-          <p:nvPr/>
-        </p:nvCxnSpPr>
-        <p:spPr>
-          <a:xfrm>
-            <a:off x="-72550" y="4877450"/>
-            <a:ext cx="9287400" cy="0"/>
-          </a:xfrm>
-          <a:prstGeom prst="straightConnector1">
-            <a:avLst/>
-          </a:prstGeom>
-          <a:noFill/>
-          <a:ln w="28575" cap="flat" cmpd="sng">
-            <a:solidFill>
-              <a:schemeClr val="accent1"/>
-            </a:solidFill>
-            <a:prstDash val="solid"/>
-            <a:round/>
-            <a:headEnd type="none" w="med" len="med"/>
-            <a:tailEnd type="none" w="med" len="med"/>
-          </a:ln>
-        </p:spPr>
-      </p:cxnSp>
-      <p:cxnSp>
-        <p:nvCxnSpPr>
-          <p:cNvPr id="470" name="Google Shape;470;p54"/>
-          <p:cNvCxnSpPr/>
-          <p:nvPr/>
-        </p:nvCxnSpPr>
-        <p:spPr>
-          <a:xfrm>
-            <a:off x="-250225" y="4076450"/>
-            <a:ext cx="1926900" cy="1161000"/>
-          </a:xfrm>
-          <a:prstGeom prst="curvedConnector3">
-            <a:avLst>
-              <a:gd name="adj1" fmla="val 50000"/>
-            </a:avLst>
-          </a:prstGeom>
-          <a:noFill/>
-          <a:ln w="28575" cap="flat" cmpd="sng">
-            <a:solidFill>
-              <a:schemeClr val="accent2"/>
-            </a:solidFill>
-            <a:prstDash val="solid"/>
-            <a:round/>
-            <a:headEnd type="none" w="med" len="med"/>
-            <a:tailEnd type="none" w="med" len="med"/>
-          </a:ln>
-        </p:spPr>
-      </p:cxnSp>
-      <p:cxnSp>
-        <p:nvCxnSpPr>
-          <p:cNvPr id="471" name="Google Shape;471;p54"/>
-          <p:cNvCxnSpPr/>
-          <p:nvPr/>
-        </p:nvCxnSpPr>
-        <p:spPr>
-          <a:xfrm>
-            <a:off x="7441150" y="-48375"/>
-            <a:ext cx="1926900" cy="1161000"/>
-          </a:xfrm>
-          <a:prstGeom prst="curvedConnector3">
-            <a:avLst>
-              <a:gd name="adj1" fmla="val 50000"/>
-            </a:avLst>
-          </a:prstGeom>
-          <a:noFill/>
-          <a:ln w="28575" cap="flat" cmpd="sng">
-            <a:solidFill>
-              <a:schemeClr val="accent2"/>
-            </a:solidFill>
-            <a:prstDash val="solid"/>
-            <a:round/>
-            <a:headEnd type="none" w="med" len="med"/>
-            <a:tailEnd type="none" w="med" len="med"/>
-          </a:ln>
-        </p:spPr>
-      </p:cxnSp>
-      <p:cxnSp>
-        <p:nvCxnSpPr>
-          <p:cNvPr id="472" name="Google Shape;472;p54"/>
-          <p:cNvCxnSpPr/>
-          <p:nvPr/>
-        </p:nvCxnSpPr>
-        <p:spPr>
-          <a:xfrm flipH="1">
-            <a:off x="7454238" y="4053663"/>
-            <a:ext cx="1926900" cy="1161000"/>
-          </a:xfrm>
-          <a:prstGeom prst="curvedConnector3">
-            <a:avLst>
-              <a:gd name="adj1" fmla="val 50000"/>
-            </a:avLst>
-          </a:prstGeom>
-          <a:noFill/>
-          <a:ln w="28575" cap="flat" cmpd="sng">
-            <a:solidFill>
-              <a:schemeClr val="accent2"/>
-            </a:solidFill>
-            <a:prstDash val="solid"/>
-            <a:round/>
-            <a:headEnd type="none" w="med" len="med"/>
-            <a:tailEnd type="none" w="med" len="med"/>
-          </a:ln>
-        </p:spPr>
-      </p:cxnSp>
-      <p:cxnSp>
-        <p:nvCxnSpPr>
-          <p:cNvPr id="473" name="Google Shape;473;p54"/>
-          <p:cNvCxnSpPr/>
-          <p:nvPr/>
-        </p:nvCxnSpPr>
-        <p:spPr>
-          <a:xfrm flipH="1">
-            <a:off x="-237137" y="-71162"/>
-            <a:ext cx="1926900" cy="1161000"/>
-          </a:xfrm>
-          <a:prstGeom prst="curvedConnector3">
-            <a:avLst>
-              <a:gd name="adj1" fmla="val 50000"/>
-            </a:avLst>
-          </a:prstGeom>
-          <a:noFill/>
-          <a:ln w="28575" cap="flat" cmpd="sng">
-            <a:solidFill>
-              <a:schemeClr val="accent2"/>
-            </a:solidFill>
-            <a:prstDash val="solid"/>
-            <a:round/>
-            <a:headEnd type="none" w="med" len="med"/>
-            <a:tailEnd type="none" w="med" len="med"/>
-          </a:ln>
-        </p:spPr>
-      </p:cxnSp>
-    </p:spTree>
-  </p:cSld>
-  <p:clrMapOvr>
-    <a:masterClrMapping/>
-  </p:clrMapOvr>
-</p:sldLayout>
-</file>
-
-<file path=ppt/slideLayouts/slideLayout2.xml><?xml version="1.0" encoding="utf-8"?>
-<p:sldLayout xmlns:a="http://schemas.openxmlformats.org/drawingml/2006/main" xmlns:r="http://schemas.openxmlformats.org/officeDocument/2006/relationships" xmlns:p="http://schemas.openxmlformats.org/presentationml/2006/main" matchingName="Title and body" type="tx">
-  <p:cSld name="solo testo">
-    <p:bg>
-      <p:bgPr>
-        <a:gradFill>
-          <a:gsLst>
-            <a:gs pos="0">
-              <a:schemeClr val="accent1">
-                <a:lumMod val="5000"/>
-                <a:lumOff val="95000"/>
-              </a:schemeClr>
-            </a:gs>
-            <a:gs pos="74000">
-              <a:schemeClr val="accent1">
-                <a:lumMod val="45000"/>
-                <a:lumOff val="55000"/>
-              </a:schemeClr>
-            </a:gs>
-            <a:gs pos="83000">
-              <a:schemeClr val="accent1">
-                <a:lumMod val="45000"/>
-                <a:lumOff val="55000"/>
-              </a:schemeClr>
-            </a:gs>
-            <a:gs pos="100000">
-              <a:schemeClr val="accent1">
-                <a:lumMod val="30000"/>
-                <a:lumOff val="70000"/>
-              </a:schemeClr>
-            </a:gs>
-          </a:gsLst>
-          <a:lin ang="5400000" scaled="1"/>
-        </a:gradFill>
-        <a:effectLst/>
-      </p:bgPr>
-    </p:bg>
-    <p:spTree>
-      <p:nvGrpSpPr>
-        <p:cNvPr id="1" name="Shape 23"/>
-        <p:cNvGrpSpPr/>
-        <p:nvPr/>
-      </p:nvGrpSpPr>
-      <p:grpSpPr>
-        <a:xfrm>
-          <a:off x="0" y="0"/>
-          <a:ext cx="0" cy="0"/>
-          <a:chOff x="0" y="0"/>
-          <a:chExt cx="0" cy="0"/>
-        </a:xfrm>
-      </p:grpSpPr>
-      <p:sp>
-        <p:nvSpPr>
-          <p:cNvPr id="24" name="Google Shape;24;p4"/>
-          <p:cNvSpPr txBox="1">
-            <a:spLocks noGrp="1"/>
-          </p:cNvSpPr>
-          <p:nvPr>
-            <p:ph type="title"/>
-          </p:nvPr>
-        </p:nvSpPr>
-        <p:spPr>
-          <a:xfrm>
-            <a:off x="713225" y="445025"/>
-            <a:ext cx="4711500" cy="572700"/>
-          </a:xfrm>
-          <a:prstGeom prst="rect">
-            <a:avLst/>
-          </a:prstGeom>
-        </p:spPr>
-        <p:txBody>
-          <a:bodyPr spcFirstLastPara="1" wrap="square" lIns="91425" tIns="91425" rIns="91425" bIns="91425" anchor="t" anchorCtr="0">
-            <a:noAutofit/>
-          </a:bodyPr>
-          <a:lstStyle>
-            <a:lvl1pPr lvl="0">
-              <a:spcBef>
-                <a:spcPts val="0"/>
-              </a:spcBef>
-              <a:spcAft>
-                <a:spcPts val="0"/>
-              </a:spcAft>
-              <a:buSzPts val="3000"/>
-              <a:buNone/>
-              <a:defRPr/>
-            </a:lvl1pPr>
-            <a:lvl2pPr lvl="1">
-              <a:spcBef>
-                <a:spcPts val="0"/>
-              </a:spcBef>
-              <a:spcAft>
-                <a:spcPts val="0"/>
-              </a:spcAft>
-              <a:buSzPts val="3000"/>
-              <a:buNone/>
-              <a:defRPr/>
-            </a:lvl2pPr>
-            <a:lvl3pPr lvl="2">
-              <a:spcBef>
-                <a:spcPts val="0"/>
-              </a:spcBef>
-              <a:spcAft>
-                <a:spcPts val="0"/>
-              </a:spcAft>
-              <a:buSzPts val="3000"/>
-              <a:buNone/>
-              <a:defRPr/>
-            </a:lvl3pPr>
-            <a:lvl4pPr lvl="3">
-              <a:spcBef>
-                <a:spcPts val="0"/>
-              </a:spcBef>
-              <a:spcAft>
-                <a:spcPts val="0"/>
-              </a:spcAft>
-              <a:buSzPts val="3000"/>
-              <a:buNone/>
-              <a:defRPr/>
-            </a:lvl4pPr>
-            <a:lvl5pPr lvl="4">
-              <a:spcBef>
-                <a:spcPts val="0"/>
-              </a:spcBef>
-              <a:spcAft>
-                <a:spcPts val="0"/>
-              </a:spcAft>
-              <a:buSzPts val="3000"/>
-              <a:buNone/>
-              <a:defRPr/>
-            </a:lvl5pPr>
-            <a:lvl6pPr lvl="5">
-              <a:spcBef>
-                <a:spcPts val="0"/>
-              </a:spcBef>
-              <a:spcAft>
-                <a:spcPts val="0"/>
-              </a:spcAft>
-              <a:buSzPts val="3000"/>
-              <a:buNone/>
-              <a:defRPr/>
-            </a:lvl6pPr>
-            <a:lvl7pPr lvl="6">
-              <a:spcBef>
-                <a:spcPts val="0"/>
-              </a:spcBef>
-              <a:spcAft>
-                <a:spcPts val="0"/>
-              </a:spcAft>
-              <a:buSzPts val="3000"/>
-              <a:buNone/>
-              <a:defRPr/>
-            </a:lvl7pPr>
-            <a:lvl8pPr lvl="7">
-              <a:spcBef>
-                <a:spcPts val="0"/>
-              </a:spcBef>
-              <a:spcAft>
-                <a:spcPts val="0"/>
-              </a:spcAft>
-              <a:buSzPts val="3000"/>
-              <a:buNone/>
-              <a:defRPr/>
-            </a:lvl8pPr>
-            <a:lvl9pPr lvl="8">
-              <a:spcBef>
-                <a:spcPts val="0"/>
-              </a:spcBef>
-              <a:spcAft>
-                <a:spcPts val="0"/>
-              </a:spcAft>
-              <a:buSzPts val="3000"/>
-              <a:buNone/>
-              <a:defRPr/>
-            </a:lvl9pPr>
-          </a:lstStyle>
-          <a:p>
-            <a:endParaRPr dirty="0"/>
-          </a:p>
-        </p:txBody>
-      </p:sp>
-      <p:sp>
-        <p:nvSpPr>
-          <p:cNvPr id="25" name="Google Shape;25;p4"/>
-          <p:cNvSpPr txBox="1">
-            <a:spLocks noGrp="1"/>
-          </p:cNvSpPr>
-          <p:nvPr>
-            <p:ph type="body" idx="1"/>
-          </p:nvPr>
-        </p:nvSpPr>
-        <p:spPr>
-          <a:xfrm>
-            <a:off x="713250" y="1272925"/>
-            <a:ext cx="7717500" cy="3295800"/>
-          </a:xfrm>
-          <a:prstGeom prst="rect">
-            <a:avLst/>
-          </a:prstGeom>
-        </p:spPr>
-        <p:txBody>
-          <a:bodyPr spcFirstLastPara="1" wrap="square" lIns="91425" tIns="91425" rIns="91425" bIns="91425" anchor="t" anchorCtr="0">
-            <a:noAutofit/>
-          </a:bodyPr>
-          <a:lstStyle>
-            <a:lvl1pPr marL="457200" lvl="0" indent="-342900">
-              <a:lnSpc>
-                <a:spcPct val="100000"/>
-              </a:lnSpc>
-              <a:spcBef>
-                <a:spcPts val="0"/>
-              </a:spcBef>
-              <a:spcAft>
-                <a:spcPts val="0"/>
-              </a:spcAft>
-              <a:buClr>
-                <a:schemeClr val="dk1"/>
-              </a:buClr>
-              <a:buSzPts val="1800"/>
-              <a:buFont typeface="Lato"/>
-              <a:buChar char="●"/>
-              <a:defRPr sz="2400"/>
-            </a:lvl1pPr>
-            <a:lvl2pPr marL="914400" lvl="1" indent="-317500">
-              <a:spcBef>
-                <a:spcPts val="0"/>
-              </a:spcBef>
-              <a:spcAft>
-                <a:spcPts val="0"/>
-              </a:spcAft>
-              <a:buClr>
-                <a:schemeClr val="dk1"/>
-              </a:buClr>
-              <a:buSzPts val="1400"/>
-              <a:buFont typeface="Lato"/>
-              <a:buChar char="○"/>
-              <a:defRPr/>
-            </a:lvl2pPr>
-            <a:lvl3pPr marL="1371600" lvl="2" indent="-317500">
-              <a:spcBef>
-                <a:spcPts val="0"/>
-              </a:spcBef>
-              <a:spcAft>
-                <a:spcPts val="0"/>
-              </a:spcAft>
-              <a:buClr>
-                <a:schemeClr val="dk1"/>
-              </a:buClr>
-              <a:buSzPts val="1400"/>
-              <a:buFont typeface="Lato"/>
-              <a:buChar char="■"/>
-              <a:defRPr/>
-            </a:lvl3pPr>
-            <a:lvl4pPr marL="1828800" lvl="3" indent="-317500">
-              <a:spcBef>
-                <a:spcPts val="0"/>
-              </a:spcBef>
-              <a:spcAft>
-                <a:spcPts val="0"/>
-              </a:spcAft>
-              <a:buClr>
-                <a:schemeClr val="dk1"/>
-              </a:buClr>
-              <a:buSzPts val="1400"/>
-              <a:buFont typeface="Lato"/>
-              <a:buChar char="●"/>
-              <a:defRPr/>
-            </a:lvl4pPr>
-            <a:lvl5pPr marL="2286000" lvl="4" indent="-317500">
-              <a:spcBef>
-                <a:spcPts val="0"/>
-              </a:spcBef>
-              <a:spcAft>
-                <a:spcPts val="0"/>
-              </a:spcAft>
-              <a:buClr>
-                <a:schemeClr val="dk1"/>
-              </a:buClr>
-              <a:buSzPts val="1400"/>
-              <a:buFont typeface="Lato"/>
-              <a:buChar char="○"/>
-              <a:defRPr/>
-            </a:lvl5pPr>
-            <a:lvl6pPr marL="2743200" lvl="5" indent="-317500">
-              <a:spcBef>
-                <a:spcPts val="0"/>
-              </a:spcBef>
-              <a:spcAft>
-                <a:spcPts val="0"/>
-              </a:spcAft>
-              <a:buClr>
-                <a:schemeClr val="dk1"/>
-              </a:buClr>
-              <a:buSzPts val="1400"/>
-              <a:buFont typeface="Lato"/>
-              <a:buChar char="■"/>
-              <a:defRPr/>
-            </a:lvl6pPr>
-            <a:lvl7pPr marL="3200400" lvl="6" indent="-317500">
-              <a:spcBef>
-                <a:spcPts val="0"/>
-              </a:spcBef>
-              <a:spcAft>
-                <a:spcPts val="0"/>
-              </a:spcAft>
-              <a:buClr>
-                <a:schemeClr val="dk1"/>
-              </a:buClr>
-              <a:buSzPts val="1400"/>
-              <a:buFont typeface="Lato"/>
-              <a:buChar char="●"/>
-              <a:defRPr/>
-            </a:lvl7pPr>
-            <a:lvl8pPr marL="3657600" lvl="7" indent="-317500">
-              <a:spcBef>
-                <a:spcPts val="0"/>
-              </a:spcBef>
-              <a:spcAft>
-                <a:spcPts val="0"/>
-              </a:spcAft>
-              <a:buClr>
-                <a:schemeClr val="dk1"/>
-              </a:buClr>
-              <a:buSzPts val="1400"/>
-              <a:buFont typeface="Lato"/>
-              <a:buChar char="○"/>
-              <a:defRPr/>
-            </a:lvl8pPr>
-            <a:lvl9pPr marL="4114800" lvl="8" indent="-317500">
-              <a:spcBef>
-                <a:spcPts val="0"/>
-              </a:spcBef>
-              <a:spcAft>
-                <a:spcPts val="0"/>
-              </a:spcAft>
-              <a:buClr>
-                <a:schemeClr val="dk1"/>
-              </a:buClr>
-              <a:buSzPts val="1400"/>
-              <a:buFont typeface="Lato"/>
-              <a:buChar char="■"/>
-              <a:defRPr/>
-            </a:lvl9pPr>
-          </a:lstStyle>
-          <a:p>
-            <a:endParaRPr dirty="0"/>
-          </a:p>
-        </p:txBody>
-      </p:sp>
-      <p:cxnSp>
-        <p:nvCxnSpPr>
-          <p:cNvPr id="26" name="Google Shape;26;p4"/>
-          <p:cNvCxnSpPr/>
-          <p:nvPr/>
-        </p:nvCxnSpPr>
-        <p:spPr>
-          <a:xfrm>
-            <a:off x="-72550" y="274100"/>
-            <a:ext cx="9287400" cy="0"/>
-          </a:xfrm>
-          <a:prstGeom prst="straightConnector1">
-            <a:avLst/>
-          </a:prstGeom>
-          <a:noFill/>
-          <a:ln w="28575" cap="flat" cmpd="sng">
-            <a:solidFill>
-              <a:schemeClr val="accent1"/>
-            </a:solidFill>
-            <a:prstDash val="solid"/>
-            <a:round/>
-            <a:headEnd type="none" w="med" len="med"/>
-            <a:tailEnd type="none" w="med" len="med"/>
-          </a:ln>
-        </p:spPr>
-      </p:cxnSp>
-      <p:cxnSp>
-        <p:nvCxnSpPr>
-          <p:cNvPr id="27" name="Google Shape;27;p4"/>
-          <p:cNvCxnSpPr/>
-          <p:nvPr/>
-        </p:nvCxnSpPr>
-        <p:spPr>
-          <a:xfrm>
-            <a:off x="-72550" y="4877450"/>
-            <a:ext cx="9287400" cy="0"/>
-          </a:xfrm>
-          <a:prstGeom prst="straightConnector1">
-            <a:avLst/>
-          </a:prstGeom>
-          <a:noFill/>
-          <a:ln w="28575" cap="flat" cmpd="sng">
-            <a:solidFill>
-              <a:schemeClr val="accent1"/>
-            </a:solidFill>
-            <a:prstDash val="solid"/>
-            <a:round/>
-            <a:headEnd type="none" w="med" len="med"/>
-            <a:tailEnd type="none" w="med" len="med"/>
-          </a:ln>
-        </p:spPr>
-      </p:cxnSp>
-      <p:cxnSp>
-        <p:nvCxnSpPr>
-          <p:cNvPr id="28" name="Google Shape;28;p4"/>
-          <p:cNvCxnSpPr/>
-          <p:nvPr/>
-        </p:nvCxnSpPr>
-        <p:spPr>
-          <a:xfrm>
-            <a:off x="6884900" y="-113600"/>
-            <a:ext cx="2565600" cy="1306200"/>
-          </a:xfrm>
-          <a:prstGeom prst="curvedConnector3">
-            <a:avLst>
-              <a:gd name="adj1" fmla="val 50000"/>
-            </a:avLst>
-          </a:prstGeom>
-          <a:noFill/>
-          <a:ln w="28575" cap="flat" cmpd="sng">
-            <a:solidFill>
-              <a:schemeClr val="accent2"/>
-            </a:solidFill>
-            <a:prstDash val="solid"/>
-            <a:round/>
-            <a:headEnd type="none" w="med" len="med"/>
-            <a:tailEnd type="none" w="med" len="med"/>
-          </a:ln>
-        </p:spPr>
-      </p:cxnSp>
-    </p:spTree>
-  </p:cSld>
-  <p:clrMapOvr>
-    <a:masterClrMapping/>
-  </p:clrMapOvr>
-</p:sldLayout>
-</file>
-
-<file path=ppt/slideLayouts/slideLayout3.xml><?xml version="1.0" encoding="utf-8"?>
-<p:sldLayout xmlns:a="http://schemas.openxmlformats.org/drawingml/2006/main" xmlns:r="http://schemas.openxmlformats.org/officeDocument/2006/relationships" xmlns:p="http://schemas.openxmlformats.org/presentationml/2006/main" matchingName="Title and two columns" userDrawn="1">
-  <p:cSld name="testo+immagina sinistra">
-    <p:bg>
-      <p:bgPr>
-        <a:gradFill>
-          <a:gsLst>
-            <a:gs pos="0">
-              <a:schemeClr val="accent1">
-                <a:lumMod val="5000"/>
-                <a:lumOff val="95000"/>
-              </a:schemeClr>
-            </a:gs>
-            <a:gs pos="74000">
-              <a:schemeClr val="accent1">
-                <a:lumMod val="45000"/>
-                <a:lumOff val="55000"/>
-              </a:schemeClr>
-            </a:gs>
-            <a:gs pos="83000">
-              <a:schemeClr val="accent1">
-                <a:lumMod val="45000"/>
-                <a:lumOff val="55000"/>
-              </a:schemeClr>
-            </a:gs>
-            <a:gs pos="100000">
-              <a:schemeClr val="accent1">
-                <a:lumMod val="30000"/>
-                <a:lumOff val="70000"/>
-              </a:schemeClr>
-            </a:gs>
-          </a:gsLst>
-          <a:lin ang="5400000" scaled="1"/>
-        </a:gradFill>
-        <a:effectLst/>
-      </p:bgPr>
-    </p:bg>
-    <p:spTree>
-      <p:nvGrpSpPr>
-        <p:cNvPr id="1" name="Shape 29"/>
-        <p:cNvGrpSpPr/>
-        <p:nvPr/>
-      </p:nvGrpSpPr>
-      <p:grpSpPr>
-        <a:xfrm>
-          <a:off x="0" y="0"/>
-          <a:ext cx="0" cy="0"/>
-          <a:chOff x="0" y="0"/>
-          <a:chExt cx="0" cy="0"/>
-        </a:xfrm>
-      </p:grpSpPr>
-      <p:sp>
-        <p:nvSpPr>
-          <p:cNvPr id="30" name="Google Shape;30;p5"/>
-          <p:cNvSpPr txBox="1">
-            <a:spLocks noGrp="1"/>
-          </p:cNvSpPr>
-          <p:nvPr>
-            <p:ph type="title"/>
-          </p:nvPr>
-        </p:nvSpPr>
-        <p:spPr>
-          <a:xfrm>
-            <a:off x="713225" y="445025"/>
-            <a:ext cx="5681100" cy="572700"/>
-          </a:xfrm>
-          <a:prstGeom prst="rect">
-            <a:avLst/>
-          </a:prstGeom>
-        </p:spPr>
-        <p:txBody>
-          <a:bodyPr spcFirstLastPara="1" wrap="square" lIns="91425" tIns="91425" rIns="91425" bIns="91425" anchor="t" anchorCtr="0">
-            <a:noAutofit/>
-          </a:bodyPr>
-          <a:lstStyle>
-            <a:lvl1pPr lvl="0">
-              <a:spcBef>
-                <a:spcPts val="0"/>
-              </a:spcBef>
-              <a:spcAft>
-                <a:spcPts val="0"/>
-              </a:spcAft>
-              <a:buSzPts val="3000"/>
-              <a:buNone/>
-              <a:defRPr sz="2400"/>
-            </a:lvl1pPr>
-            <a:lvl2pPr lvl="1">
-              <a:spcBef>
-                <a:spcPts val="0"/>
-              </a:spcBef>
-              <a:spcAft>
-                <a:spcPts val="0"/>
-              </a:spcAft>
-              <a:buSzPts val="3000"/>
-              <a:buNone/>
-              <a:defRPr/>
-            </a:lvl2pPr>
-            <a:lvl3pPr lvl="2">
-              <a:spcBef>
-                <a:spcPts val="0"/>
-              </a:spcBef>
-              <a:spcAft>
-                <a:spcPts val="0"/>
-              </a:spcAft>
-              <a:buSzPts val="3000"/>
-              <a:buNone/>
-              <a:defRPr/>
-            </a:lvl3pPr>
-            <a:lvl4pPr lvl="3">
-              <a:spcBef>
-                <a:spcPts val="0"/>
-              </a:spcBef>
-              <a:spcAft>
-                <a:spcPts val="0"/>
-              </a:spcAft>
-              <a:buSzPts val="3000"/>
-              <a:buNone/>
-              <a:defRPr/>
-            </a:lvl4pPr>
-            <a:lvl5pPr lvl="4">
-              <a:spcBef>
-                <a:spcPts val="0"/>
-              </a:spcBef>
-              <a:spcAft>
-                <a:spcPts val="0"/>
-              </a:spcAft>
-              <a:buSzPts val="3000"/>
-              <a:buNone/>
-              <a:defRPr/>
-            </a:lvl5pPr>
-            <a:lvl6pPr lvl="5">
-              <a:spcBef>
-                <a:spcPts val="0"/>
-              </a:spcBef>
-              <a:spcAft>
-                <a:spcPts val="0"/>
-              </a:spcAft>
-              <a:buSzPts val="3000"/>
-              <a:buNone/>
-              <a:defRPr/>
-            </a:lvl6pPr>
-            <a:lvl7pPr lvl="6">
-              <a:spcBef>
-                <a:spcPts val="0"/>
-              </a:spcBef>
-              <a:spcAft>
-                <a:spcPts val="0"/>
-              </a:spcAft>
-              <a:buSzPts val="3000"/>
-              <a:buNone/>
-              <a:defRPr/>
-            </a:lvl7pPr>
-            <a:lvl8pPr lvl="7">
-              <a:spcBef>
-                <a:spcPts val="0"/>
-              </a:spcBef>
-              <a:spcAft>
-                <a:spcPts val="0"/>
-              </a:spcAft>
-              <a:buSzPts val="3000"/>
-              <a:buNone/>
-              <a:defRPr/>
-            </a:lvl8pPr>
-            <a:lvl9pPr lvl="8">
-              <a:spcBef>
-                <a:spcPts val="0"/>
-              </a:spcBef>
-              <a:spcAft>
-                <a:spcPts val="0"/>
-              </a:spcAft>
-              <a:buSzPts val="3000"/>
-              <a:buNone/>
-              <a:defRPr/>
-            </a:lvl9pPr>
-          </a:lstStyle>
-          <a:p>
-            <a:endParaRPr dirty="0"/>
-          </a:p>
-        </p:txBody>
-      </p:sp>
-      <p:cxnSp>
-        <p:nvCxnSpPr>
-          <p:cNvPr id="35" name="Google Shape;35;p5"/>
-          <p:cNvCxnSpPr/>
-          <p:nvPr/>
-        </p:nvCxnSpPr>
-        <p:spPr>
-          <a:xfrm>
-            <a:off x="-72550" y="274100"/>
-            <a:ext cx="9287400" cy="0"/>
-          </a:xfrm>
-          <a:prstGeom prst="straightConnector1">
-            <a:avLst/>
-          </a:prstGeom>
-          <a:noFill/>
-          <a:ln w="28575" cap="flat" cmpd="sng">
-            <a:solidFill>
-              <a:schemeClr val="accent1"/>
-            </a:solidFill>
-            <a:prstDash val="solid"/>
-            <a:round/>
-            <a:headEnd type="none" w="med" len="med"/>
-            <a:tailEnd type="none" w="med" len="med"/>
-          </a:ln>
-        </p:spPr>
-      </p:cxnSp>
-      <p:cxnSp>
-        <p:nvCxnSpPr>
-          <p:cNvPr id="36" name="Google Shape;36;p5"/>
-          <p:cNvCxnSpPr/>
-          <p:nvPr/>
-        </p:nvCxnSpPr>
-        <p:spPr>
-          <a:xfrm>
-            <a:off x="-72550" y="4877450"/>
-            <a:ext cx="9287400" cy="0"/>
-          </a:xfrm>
-          <a:prstGeom prst="straightConnector1">
-            <a:avLst/>
-          </a:prstGeom>
-          <a:noFill/>
-          <a:ln w="28575" cap="flat" cmpd="sng">
-            <a:solidFill>
-              <a:schemeClr val="accent1"/>
-            </a:solidFill>
-            <a:prstDash val="solid"/>
-            <a:round/>
-            <a:headEnd type="none" w="med" len="med"/>
-            <a:tailEnd type="none" w="med" len="med"/>
-          </a:ln>
-        </p:spPr>
-      </p:cxnSp>
-      <p:cxnSp>
-        <p:nvCxnSpPr>
-          <p:cNvPr id="37" name="Google Shape;37;p5"/>
-          <p:cNvCxnSpPr/>
-          <p:nvPr/>
-        </p:nvCxnSpPr>
-        <p:spPr>
-          <a:xfrm flipH="1">
-            <a:off x="6935750" y="3931325"/>
-            <a:ext cx="2549400" cy="1354500"/>
-          </a:xfrm>
-          <a:prstGeom prst="curvedConnector3">
-            <a:avLst>
-              <a:gd name="adj1" fmla="val 50000"/>
-            </a:avLst>
-          </a:prstGeom>
-          <a:noFill/>
-          <a:ln w="28575" cap="flat" cmpd="sng">
-            <a:solidFill>
-              <a:schemeClr val="accent2"/>
-            </a:solidFill>
-            <a:prstDash val="solid"/>
-            <a:round/>
-            <a:headEnd type="none" w="med" len="med"/>
-            <a:tailEnd type="none" w="med" len="med"/>
-          </a:ln>
-        </p:spPr>
-      </p:cxnSp>
-      <p:sp>
-        <p:nvSpPr>
-          <p:cNvPr id="3" name="Marcador de posición de imagen 2">
-            <a:extLst>
-              <a:ext uri="{FF2B5EF4-FFF2-40B4-BE49-F238E27FC236}">
-                <a16:creationId xmlns:a16="http://schemas.microsoft.com/office/drawing/2014/main" id="{CF56D8DE-287B-EECA-C873-F6FB393A343E}"/>
-              </a:ext>
-            </a:extLst>
-          </p:cNvPr>
-          <p:cNvSpPr>
-            <a:spLocks noGrp="1"/>
-          </p:cNvSpPr>
-          <p:nvPr>
-            <p:ph type="pic" sz="quarter" idx="10"/>
-          </p:nvPr>
-        </p:nvSpPr>
-        <p:spPr>
-          <a:xfrm>
-            <a:off x="569913" y="1490562"/>
-            <a:ext cx="2886075" cy="2662237"/>
-          </a:xfrm>
-        </p:spPr>
-        <p:txBody>
-          <a:bodyPr/>
-          <a:lstStyle/>
-          <a:p>
-            <a:endParaRPr lang="es-ES"/>
-          </a:p>
-        </p:txBody>
-      </p:sp>
-      <p:sp>
-        <p:nvSpPr>
-          <p:cNvPr id="5" name="Marcador de texto 4">
-            <a:extLst>
-              <a:ext uri="{FF2B5EF4-FFF2-40B4-BE49-F238E27FC236}">
-                <a16:creationId xmlns:a16="http://schemas.microsoft.com/office/drawing/2014/main" id="{2AA7CC61-7EEA-CE58-E68F-B860C60B0734}"/>
-              </a:ext>
-            </a:extLst>
-          </p:cNvPr>
-          <p:cNvSpPr>
-            <a:spLocks noGrp="1"/>
-          </p:cNvSpPr>
-          <p:nvPr>
-            <p:ph type="body" sz="quarter" idx="11"/>
-          </p:nvPr>
-        </p:nvSpPr>
-        <p:spPr>
-          <a:xfrm>
-            <a:off x="4105275" y="1490663"/>
-            <a:ext cx="4286454" cy="2711450"/>
-          </a:xfrm>
-        </p:spPr>
-        <p:txBody>
-          <a:bodyPr/>
-          <a:lstStyle>
-            <a:lvl1pPr>
-              <a:defRPr sz="2000"/>
-            </a:lvl1pPr>
-            <a:lvl2pPr>
-              <a:defRPr sz="2000"/>
-            </a:lvl2pPr>
-            <a:lvl3pPr>
-              <a:defRPr sz="2000"/>
-            </a:lvl3pPr>
-            <a:lvl4pPr>
-              <a:defRPr sz="2000"/>
-            </a:lvl4pPr>
-            <a:lvl5pPr>
-              <a:defRPr sz="2000"/>
-            </a:lvl5pPr>
-          </a:lstStyle>
-          <a:p>
-            <a:pPr lvl="0"/>
-            <a:r>
-              <a:rPr lang="es-ES" dirty="0"/>
-              <a:t>Haga clic para modificar los estilos de texto del patrón</a:t>
-            </a:r>
-          </a:p>
-          <a:p>
-            <a:pPr lvl="1"/>
-            <a:r>
-              <a:rPr lang="es-ES" dirty="0"/>
-              <a:t>Segundo nivel</a:t>
-            </a:r>
-          </a:p>
-          <a:p>
-            <a:pPr lvl="2"/>
-            <a:r>
-              <a:rPr lang="es-ES" dirty="0"/>
-              <a:t>Tercer nivel</a:t>
-            </a:r>
-          </a:p>
-          <a:p>
-            <a:pPr lvl="3"/>
-            <a:r>
-              <a:rPr lang="es-ES" dirty="0"/>
-              <a:t>Cuarto nivel</a:t>
-            </a:r>
-          </a:p>
-          <a:p>
-            <a:pPr lvl="4"/>
-            <a:r>
-              <a:rPr lang="es-ES" dirty="0"/>
-              <a:t>Quinto nivel</a:t>
-            </a:r>
-          </a:p>
-        </p:txBody>
-      </p:sp>
-    </p:spTree>
-  </p:cSld>
-  <p:clrMapOvr>
-    <a:masterClrMapping/>
-  </p:clrMapOvr>
-  <p:extLst>
-    <p:ext uri="{DCECCB84-F9BA-43D5-87BE-67443E8EF086}">
-      <p15:sldGuideLst xmlns:p15="http://schemas.microsoft.com/office/powerpoint/2012/main">
-        <p15:guide id="1" orient="horz" pos="1620" userDrawn="1">
-          <p15:clr>
-            <a:srgbClr val="FBAE40"/>
-          </p15:clr>
-        </p15:guide>
-        <p15:guide id="2" pos="2880" userDrawn="1">
-          <p15:clr>
-            <a:srgbClr val="FBAE40"/>
-          </p15:clr>
-        </p15:guide>
-      </p15:sldGuideLst>
-    </p:ext>
-  </p:extLst>
-</p:sldLayout>
-</file>
-
-<file path=ppt/slideLayouts/slideLayout4.xml><?xml version="1.0" encoding="utf-8"?>
 <p:sldLayout xmlns:a="http://schemas.openxmlformats.org/drawingml/2006/main" xmlns:r="http://schemas.openxmlformats.org/officeDocument/2006/relationships" xmlns:p="http://schemas.openxmlformats.org/presentationml/2006/main" matchingName="Title and two columns" preserve="1" userDrawn="1">
-  <p:cSld name="1_Title and two columns">
+  <p:cSld name="Immagine destra + Testo sinistra">
     <p:bg>
       <p:bgPr>
         <a:gradFill flip="none" rotWithShape="1">
@@ -2781,7 +986,7 @@
               </a:spcAft>
               <a:buSzPts val="3000"/>
               <a:buNone/>
-              <a:defRPr sz="2400"/>
+              <a:defRPr sz="1800"/>
             </a:lvl1pPr>
             <a:lvl2pPr lvl="1">
               <a:spcBef>
@@ -2886,32 +1091,6 @@
         <p:spPr>
           <a:xfrm>
             <a:off x="-72550" y="274100"/>
-            <a:ext cx="9287400" cy="0"/>
-          </a:xfrm>
-          <a:prstGeom prst="straightConnector1">
-            <a:avLst/>
-          </a:prstGeom>
-          <a:noFill/>
-          <a:ln w="28575" cap="flat" cmpd="sng">
-            <a:solidFill>
-              <a:schemeClr val="accent1"/>
-            </a:solidFill>
-            <a:prstDash val="solid"/>
-            <a:round/>
-            <a:headEnd type="none" w="med" len="med"/>
-            <a:tailEnd type="none" w="med" len="med"/>
-          </a:ln>
-        </p:spPr>
-      </p:cxnSp>
-      <p:cxnSp>
-        <p:nvCxnSpPr>
-          <p:cNvPr id="36" name="Google Shape;36;p5"/>
-          <p:cNvCxnSpPr/>
-          <p:nvPr/>
-        </p:nvCxnSpPr>
-        <p:spPr>
-          <a:xfrm>
-            <a:off x="-72550" y="4877450"/>
             <a:ext cx="9287400" cy="0"/>
           </a:xfrm>
           <a:prstGeom prst="straightConnector1">
@@ -3013,19 +1192,19 @@
           <a:bodyPr/>
           <a:lstStyle>
             <a:lvl1pPr>
-              <a:defRPr sz="2000"/>
+              <a:defRPr sz="1800"/>
             </a:lvl1pPr>
             <a:lvl2pPr>
-              <a:defRPr sz="2000"/>
+              <a:defRPr sz="1800"/>
             </a:lvl2pPr>
             <a:lvl3pPr>
-              <a:defRPr sz="2000"/>
+              <a:defRPr sz="1800"/>
             </a:lvl3pPr>
             <a:lvl4pPr>
-              <a:defRPr sz="2000"/>
+              <a:defRPr sz="1800"/>
             </a:lvl4pPr>
             <a:lvl5pPr>
-              <a:defRPr sz="2000"/>
+              <a:defRPr sz="1800"/>
             </a:lvl5pPr>
           </a:lstStyle>
           <a:p>
@@ -3094,9 +1273,9 @@
 </p:sldLayout>
 </file>
 
-<file path=ppt/slideLayouts/slideLayout5.xml><?xml version="1.0" encoding="utf-8"?>
+<file path=ppt/slideLayouts/slideLayout2.xml><?xml version="1.0" encoding="utf-8"?>
 <p:sldLayout xmlns:a="http://schemas.openxmlformats.org/drawingml/2006/main" xmlns:r="http://schemas.openxmlformats.org/officeDocument/2006/relationships" xmlns:p="http://schemas.openxmlformats.org/presentationml/2006/main" matchingName="Title and two columns" preserve="1" userDrawn="1">
-  <p:cSld name="immagine + teto al centro">
+  <p:cSld name="Immagine sinistra + Testo destra">
     <p:bg>
       <p:bgPr>
         <a:gradFill flip="none" rotWithShape="1">
@@ -3179,7 +1358,7 @@
               </a:spcAft>
               <a:buSzPts val="3000"/>
               <a:buNone/>
-              <a:defRPr sz="2400"/>
+              <a:defRPr sz="1800"/>
             </a:lvl1pPr>
             <a:lvl2pPr lvl="1">
               <a:spcBef>
@@ -3303,13 +1482,359 @@
       </p:cxnSp>
       <p:cxnSp>
         <p:nvCxnSpPr>
-          <p:cNvPr id="36" name="Google Shape;36;p5"/>
+          <p:cNvPr id="37" name="Google Shape;37;p5"/>
+          <p:cNvCxnSpPr/>
+          <p:nvPr/>
+        </p:nvCxnSpPr>
+        <p:spPr>
+          <a:xfrm flipH="1">
+            <a:off x="6935750" y="3931325"/>
+            <a:ext cx="2549400" cy="1354500"/>
+          </a:xfrm>
+          <a:prstGeom prst="curvedConnector3">
+            <a:avLst>
+              <a:gd name="adj1" fmla="val 50000"/>
+            </a:avLst>
+          </a:prstGeom>
+          <a:noFill/>
+          <a:ln w="28575" cap="flat" cmpd="sng">
+            <a:solidFill>
+              <a:schemeClr val="accent2"/>
+            </a:solidFill>
+            <a:prstDash val="solid"/>
+            <a:round/>
+            <a:headEnd type="none" w="med" len="med"/>
+            <a:tailEnd type="none" w="med" len="med"/>
+          </a:ln>
+        </p:spPr>
+      </p:cxnSp>
+      <p:sp>
+        <p:nvSpPr>
+          <p:cNvPr id="3" name="Marcador de posición de imagen 2">
+            <a:extLst>
+              <a:ext uri="{FF2B5EF4-FFF2-40B4-BE49-F238E27FC236}">
+                <a16:creationId xmlns:a16="http://schemas.microsoft.com/office/drawing/2014/main" id="{CF56D8DE-287B-EECA-C873-F6FB393A343E}"/>
+              </a:ext>
+            </a:extLst>
+          </p:cNvPr>
+          <p:cNvSpPr>
+            <a:spLocks noGrp="1"/>
+          </p:cNvSpPr>
+          <p:nvPr>
+            <p:ph type="pic" sz="quarter" idx="10"/>
+          </p:nvPr>
+        </p:nvSpPr>
+        <p:spPr>
+          <a:xfrm>
+            <a:off x="658571" y="1616469"/>
+            <a:ext cx="2886075" cy="2662237"/>
+          </a:xfrm>
+        </p:spPr>
+        <p:txBody>
+          <a:bodyPr/>
+          <a:lstStyle/>
+          <a:p>
+            <a:endParaRPr lang="es-ES"/>
+          </a:p>
+        </p:txBody>
+      </p:sp>
+      <p:sp>
+        <p:nvSpPr>
+          <p:cNvPr id="5" name="Marcador de texto 4">
+            <a:extLst>
+              <a:ext uri="{FF2B5EF4-FFF2-40B4-BE49-F238E27FC236}">
+                <a16:creationId xmlns:a16="http://schemas.microsoft.com/office/drawing/2014/main" id="{2AA7CC61-7EEA-CE58-E68F-B860C60B0734}"/>
+              </a:ext>
+            </a:extLst>
+          </p:cNvPr>
+          <p:cNvSpPr>
+            <a:spLocks noGrp="1"/>
+          </p:cNvSpPr>
+          <p:nvPr>
+            <p:ph type="body" sz="quarter" idx="11"/>
+          </p:nvPr>
+        </p:nvSpPr>
+        <p:spPr>
+          <a:xfrm>
+            <a:off x="4500868" y="1567256"/>
+            <a:ext cx="4286454" cy="2711450"/>
+          </a:xfrm>
+        </p:spPr>
+        <p:txBody>
+          <a:bodyPr/>
+          <a:lstStyle>
+            <a:lvl1pPr>
+              <a:defRPr sz="1800"/>
+            </a:lvl1pPr>
+            <a:lvl2pPr>
+              <a:defRPr sz="1800"/>
+            </a:lvl2pPr>
+            <a:lvl3pPr>
+              <a:defRPr sz="1800"/>
+            </a:lvl3pPr>
+            <a:lvl4pPr>
+              <a:defRPr sz="1800"/>
+            </a:lvl4pPr>
+            <a:lvl5pPr>
+              <a:defRPr sz="1800"/>
+            </a:lvl5pPr>
+          </a:lstStyle>
+          <a:p>
+            <a:pPr lvl="0"/>
+            <a:r>
+              <a:rPr lang="es-ES" dirty="0"/>
+              <a:t>Haga clic para modificar los estilos de texto del patrón</a:t>
+            </a:r>
+          </a:p>
+          <a:p>
+            <a:pPr lvl="1"/>
+            <a:r>
+              <a:rPr lang="es-ES" dirty="0"/>
+              <a:t>Segundo nivel</a:t>
+            </a:r>
+          </a:p>
+          <a:p>
+            <a:pPr lvl="2"/>
+            <a:r>
+              <a:rPr lang="es-ES" dirty="0"/>
+              <a:t>Tercer nivel</a:t>
+            </a:r>
+          </a:p>
+          <a:p>
+            <a:pPr lvl="3"/>
+            <a:r>
+              <a:rPr lang="es-ES" dirty="0"/>
+              <a:t>Cuarto nivel</a:t>
+            </a:r>
+          </a:p>
+          <a:p>
+            <a:pPr lvl="4"/>
+            <a:r>
+              <a:rPr lang="es-ES" dirty="0"/>
+              <a:t>Quinto nivel</a:t>
+            </a:r>
+          </a:p>
+        </p:txBody>
+      </p:sp>
+    </p:spTree>
+    <p:extLst>
+      <p:ext uri="{BB962C8B-B14F-4D97-AF65-F5344CB8AC3E}">
+        <p14:creationId xmlns:p14="http://schemas.microsoft.com/office/powerpoint/2010/main" val="1043660298"/>
+      </p:ext>
+    </p:extLst>
+  </p:cSld>
+  <p:clrMapOvr>
+    <a:masterClrMapping/>
+  </p:clrMapOvr>
+  <p:extLst>
+    <p:ext uri="{DCECCB84-F9BA-43D5-87BE-67443E8EF086}">
+      <p15:sldGuideLst xmlns:p15="http://schemas.microsoft.com/office/powerpoint/2012/main">
+        <p15:guide id="1" orient="horz" pos="1620" userDrawn="1">
+          <p15:clr>
+            <a:srgbClr val="FBAE40"/>
+          </p15:clr>
+        </p15:guide>
+        <p15:guide id="2" pos="2880" userDrawn="1">
+          <p15:clr>
+            <a:srgbClr val="FBAE40"/>
+          </p15:clr>
+        </p15:guide>
+      </p15:sldGuideLst>
+    </p:ext>
+  </p:extLst>
+</p:sldLayout>
+</file>
+
+<file path=ppt/slideLayouts/slideLayout3.xml><?xml version="1.0" encoding="utf-8"?>
+<p:sldLayout xmlns:a="http://schemas.openxmlformats.org/drawingml/2006/main" xmlns:r="http://schemas.openxmlformats.org/officeDocument/2006/relationships" xmlns:p="http://schemas.openxmlformats.org/presentationml/2006/main" matchingName="Title and two columns" preserve="1" userDrawn="1">
+  <p:cSld name="Immagine centrata + Testo sotto">
+    <p:bg>
+      <p:bgPr>
+        <a:gradFill flip="none" rotWithShape="1">
+          <a:gsLst>
+            <a:gs pos="0">
+              <a:schemeClr val="accent1">
+                <a:lumMod val="5000"/>
+                <a:lumOff val="95000"/>
+              </a:schemeClr>
+            </a:gs>
+            <a:gs pos="74000">
+              <a:schemeClr val="accent1">
+                <a:lumMod val="45000"/>
+                <a:lumOff val="55000"/>
+              </a:schemeClr>
+            </a:gs>
+            <a:gs pos="83000">
+              <a:schemeClr val="accent1">
+                <a:lumMod val="45000"/>
+                <a:lumOff val="55000"/>
+              </a:schemeClr>
+            </a:gs>
+            <a:gs pos="100000">
+              <a:schemeClr val="accent1">
+                <a:lumMod val="30000"/>
+                <a:lumOff val="70000"/>
+              </a:schemeClr>
+            </a:gs>
+          </a:gsLst>
+          <a:lin ang="5400000" scaled="1"/>
+          <a:tileRect/>
+        </a:gradFill>
+        <a:effectLst/>
+      </p:bgPr>
+    </p:bg>
+    <p:spTree>
+      <p:nvGrpSpPr>
+        <p:cNvPr id="1" name="Shape 29"/>
+        <p:cNvGrpSpPr/>
+        <p:nvPr/>
+      </p:nvGrpSpPr>
+      <p:grpSpPr>
+        <a:xfrm>
+          <a:off x="0" y="0"/>
+          <a:ext cx="0" cy="0"/>
+          <a:chOff x="0" y="0"/>
+          <a:chExt cx="0" cy="0"/>
+        </a:xfrm>
+      </p:grpSpPr>
+      <p:sp>
+        <p:nvSpPr>
+          <p:cNvPr id="30" name="Google Shape;30;p5"/>
+          <p:cNvSpPr txBox="1">
+            <a:spLocks noGrp="1"/>
+          </p:cNvSpPr>
+          <p:nvPr>
+            <p:ph type="title"/>
+          </p:nvPr>
+        </p:nvSpPr>
+        <p:spPr>
+          <a:xfrm>
+            <a:off x="713225" y="445025"/>
+            <a:ext cx="5681100" cy="572700"/>
+          </a:xfrm>
+          <a:prstGeom prst="rect">
+            <a:avLst/>
+          </a:prstGeom>
+        </p:spPr>
+        <p:txBody>
+          <a:bodyPr spcFirstLastPara="1" wrap="square" lIns="91425" tIns="91425" rIns="91425" bIns="91425" anchor="t" anchorCtr="0">
+            <a:noAutofit/>
+          </a:bodyPr>
+          <a:lstStyle>
+            <a:lvl1pPr lvl="0">
+              <a:spcBef>
+                <a:spcPts val="0"/>
+              </a:spcBef>
+              <a:spcAft>
+                <a:spcPts val="0"/>
+              </a:spcAft>
+              <a:buSzPts val="3000"/>
+              <a:buNone/>
+              <a:defRPr sz="2400"/>
+            </a:lvl1pPr>
+            <a:lvl2pPr lvl="1">
+              <a:spcBef>
+                <a:spcPts val="0"/>
+              </a:spcBef>
+              <a:spcAft>
+                <a:spcPts val="0"/>
+              </a:spcAft>
+              <a:buSzPts val="3000"/>
+              <a:buNone/>
+              <a:defRPr/>
+            </a:lvl2pPr>
+            <a:lvl3pPr lvl="2">
+              <a:spcBef>
+                <a:spcPts val="0"/>
+              </a:spcBef>
+              <a:spcAft>
+                <a:spcPts val="0"/>
+              </a:spcAft>
+              <a:buSzPts val="3000"/>
+              <a:buNone/>
+              <a:defRPr/>
+            </a:lvl3pPr>
+            <a:lvl4pPr lvl="3">
+              <a:spcBef>
+                <a:spcPts val="0"/>
+              </a:spcBef>
+              <a:spcAft>
+                <a:spcPts val="0"/>
+              </a:spcAft>
+              <a:buSzPts val="3000"/>
+              <a:buNone/>
+              <a:defRPr/>
+            </a:lvl4pPr>
+            <a:lvl5pPr lvl="4">
+              <a:spcBef>
+                <a:spcPts val="0"/>
+              </a:spcBef>
+              <a:spcAft>
+                <a:spcPts val="0"/>
+              </a:spcAft>
+              <a:buSzPts val="3000"/>
+              <a:buNone/>
+              <a:defRPr/>
+            </a:lvl5pPr>
+            <a:lvl6pPr lvl="5">
+              <a:spcBef>
+                <a:spcPts val="0"/>
+              </a:spcBef>
+              <a:spcAft>
+                <a:spcPts val="0"/>
+              </a:spcAft>
+              <a:buSzPts val="3000"/>
+              <a:buNone/>
+              <a:defRPr/>
+            </a:lvl6pPr>
+            <a:lvl7pPr lvl="6">
+              <a:spcBef>
+                <a:spcPts val="0"/>
+              </a:spcBef>
+              <a:spcAft>
+                <a:spcPts val="0"/>
+              </a:spcAft>
+              <a:buSzPts val="3000"/>
+              <a:buNone/>
+              <a:defRPr/>
+            </a:lvl7pPr>
+            <a:lvl8pPr lvl="7">
+              <a:spcBef>
+                <a:spcPts val="0"/>
+              </a:spcBef>
+              <a:spcAft>
+                <a:spcPts val="0"/>
+              </a:spcAft>
+              <a:buSzPts val="3000"/>
+              <a:buNone/>
+              <a:defRPr/>
+            </a:lvl8pPr>
+            <a:lvl9pPr lvl="8">
+              <a:spcBef>
+                <a:spcPts val="0"/>
+              </a:spcBef>
+              <a:spcAft>
+                <a:spcPts val="0"/>
+              </a:spcAft>
+              <a:buSzPts val="3000"/>
+              <a:buNone/>
+              <a:defRPr/>
+            </a:lvl9pPr>
+          </a:lstStyle>
+          <a:p>
+            <a:endParaRPr dirty="0"/>
+          </a:p>
+        </p:txBody>
+      </p:sp>
+      <p:cxnSp>
+        <p:nvCxnSpPr>
+          <p:cNvPr id="35" name="Google Shape;35;p5"/>
           <p:cNvCxnSpPr/>
           <p:nvPr/>
         </p:nvCxnSpPr>
         <p:spPr>
           <a:xfrm>
-            <a:off x="-72550" y="4877450"/>
+            <a:off x="-72550" y="274100"/>
             <a:ext cx="9287400" cy="0"/>
           </a:xfrm>
           <a:prstGeom prst="straightConnector1">
@@ -3492,12 +2017,47 @@
 </p:sldLayout>
 </file>
 
-<file path=ppt/slideLayouts/slideLayout6.xml><?xml version="1.0" encoding="utf-8"?>
-<p:sldLayout xmlns:a="http://schemas.openxmlformats.org/drawingml/2006/main" xmlns:r="http://schemas.openxmlformats.org/officeDocument/2006/relationships" xmlns:p="http://schemas.openxmlformats.org/presentationml/2006/main" matchingName="Section title and description">
-  <p:cSld name="SECTION_TITLE_AND_DESCRIPTION">
+<file path=ppt/slideLayouts/slideLayout4.xml><?xml version="1.0" encoding="utf-8"?>
+<p:sldLayout xmlns:a="http://schemas.openxmlformats.org/drawingml/2006/main" xmlns:r="http://schemas.openxmlformats.org/officeDocument/2006/relationships" xmlns:p="http://schemas.openxmlformats.org/presentationml/2006/main" matchingName="Title and two columns" preserve="1" userDrawn="1">
+  <p:cSld name="solo testo">
+    <p:bg>
+      <p:bgPr>
+        <a:gradFill flip="none" rotWithShape="1">
+          <a:gsLst>
+            <a:gs pos="0">
+              <a:schemeClr val="accent1">
+                <a:lumMod val="5000"/>
+                <a:lumOff val="95000"/>
+              </a:schemeClr>
+            </a:gs>
+            <a:gs pos="74000">
+              <a:schemeClr val="accent1">
+                <a:lumMod val="45000"/>
+                <a:lumOff val="55000"/>
+              </a:schemeClr>
+            </a:gs>
+            <a:gs pos="83000">
+              <a:schemeClr val="accent1">
+                <a:lumMod val="45000"/>
+                <a:lumOff val="55000"/>
+              </a:schemeClr>
+            </a:gs>
+            <a:gs pos="100000">
+              <a:schemeClr val="accent1">
+                <a:lumMod val="30000"/>
+                <a:lumOff val="70000"/>
+              </a:schemeClr>
+            </a:gs>
+          </a:gsLst>
+          <a:lin ang="5400000" scaled="1"/>
+          <a:tileRect/>
+        </a:gradFill>
+        <a:effectLst/>
+      </p:bgPr>
+    </p:bg>
     <p:spTree>
       <p:nvGrpSpPr>
-        <p:cNvPr id="1" name="Shape 54"/>
+        <p:cNvPr id="1" name="Shape 29"/>
         <p:cNvGrpSpPr/>
         <p:nvPr/>
       </p:nvGrpSpPr>
@@ -3511,18 +2071,18 @@
       </p:grpSpPr>
       <p:sp>
         <p:nvSpPr>
-          <p:cNvPr id="55" name="Google Shape;55;p9"/>
+          <p:cNvPr id="30" name="Google Shape;30;p5"/>
           <p:cNvSpPr txBox="1">
             <a:spLocks noGrp="1"/>
           </p:cNvSpPr>
           <p:nvPr>
-            <p:ph type="subTitle" idx="1"/>
+            <p:ph type="title"/>
           </p:nvPr>
         </p:nvSpPr>
         <p:spPr>
           <a:xfrm>
-            <a:off x="895950" y="1682000"/>
-            <a:ext cx="3847200" cy="2379900"/>
+            <a:off x="713225" y="445025"/>
+            <a:ext cx="5681100" cy="572700"/>
           </a:xfrm>
           <a:prstGeom prst="rect">
             <a:avLst/>
@@ -3533,142 +2093,7 @@
             <a:noAutofit/>
           </a:bodyPr>
           <a:lstStyle>
-            <a:lvl1pPr lvl="0" rtl="0">
-              <a:lnSpc>
-                <a:spcPct val="100000"/>
-              </a:lnSpc>
-              <a:spcBef>
-                <a:spcPts val="0"/>
-              </a:spcBef>
-              <a:spcAft>
-                <a:spcPts val="0"/>
-              </a:spcAft>
-              <a:buClr>
-                <a:schemeClr val="accent1"/>
-              </a:buClr>
-              <a:buSzPts val="1400"/>
-              <a:buChar char="●"/>
-              <a:defRPr sz="1400"/>
-            </a:lvl1pPr>
-            <a:lvl2pPr lvl="1" algn="ctr" rtl="0">
-              <a:spcBef>
-                <a:spcPts val="0"/>
-              </a:spcBef>
-              <a:spcAft>
-                <a:spcPts val="0"/>
-              </a:spcAft>
-              <a:buSzPts val="1400"/>
-              <a:buChar char="○"/>
-              <a:defRPr/>
-            </a:lvl2pPr>
-            <a:lvl3pPr lvl="2" algn="ctr" rtl="0">
-              <a:spcBef>
-                <a:spcPts val="0"/>
-              </a:spcBef>
-              <a:spcAft>
-                <a:spcPts val="0"/>
-              </a:spcAft>
-              <a:buSzPts val="1400"/>
-              <a:buChar char="■"/>
-              <a:defRPr/>
-            </a:lvl3pPr>
-            <a:lvl4pPr lvl="3" algn="ctr" rtl="0">
-              <a:spcBef>
-                <a:spcPts val="0"/>
-              </a:spcBef>
-              <a:spcAft>
-                <a:spcPts val="0"/>
-              </a:spcAft>
-              <a:buSzPts val="1400"/>
-              <a:buChar char="●"/>
-              <a:defRPr/>
-            </a:lvl4pPr>
-            <a:lvl5pPr lvl="4" algn="ctr" rtl="0">
-              <a:spcBef>
-                <a:spcPts val="0"/>
-              </a:spcBef>
-              <a:spcAft>
-                <a:spcPts val="0"/>
-              </a:spcAft>
-              <a:buSzPts val="1400"/>
-              <a:buChar char="○"/>
-              <a:defRPr/>
-            </a:lvl5pPr>
-            <a:lvl6pPr lvl="5" algn="ctr" rtl="0">
-              <a:spcBef>
-                <a:spcPts val="0"/>
-              </a:spcBef>
-              <a:spcAft>
-                <a:spcPts val="0"/>
-              </a:spcAft>
-              <a:buSzPts val="1400"/>
-              <a:buChar char="■"/>
-              <a:defRPr/>
-            </a:lvl6pPr>
-            <a:lvl7pPr lvl="6" algn="ctr" rtl="0">
-              <a:spcBef>
-                <a:spcPts val="0"/>
-              </a:spcBef>
-              <a:spcAft>
-                <a:spcPts val="0"/>
-              </a:spcAft>
-              <a:buSzPts val="1400"/>
-              <a:buChar char="●"/>
-              <a:defRPr/>
-            </a:lvl7pPr>
-            <a:lvl8pPr lvl="7" algn="ctr" rtl="0">
-              <a:spcBef>
-                <a:spcPts val="0"/>
-              </a:spcBef>
-              <a:spcAft>
-                <a:spcPts val="0"/>
-              </a:spcAft>
-              <a:buSzPts val="1400"/>
-              <a:buChar char="○"/>
-              <a:defRPr/>
-            </a:lvl8pPr>
-            <a:lvl9pPr lvl="8" algn="ctr" rtl="0">
-              <a:spcBef>
-                <a:spcPts val="0"/>
-              </a:spcBef>
-              <a:spcAft>
-                <a:spcPts val="0"/>
-              </a:spcAft>
-              <a:buSzPts val="1400"/>
-              <a:buChar char="■"/>
-              <a:defRPr/>
-            </a:lvl9pPr>
-          </a:lstStyle>
-          <a:p>
-            <a:endParaRPr/>
-          </a:p>
-        </p:txBody>
-      </p:sp>
-      <p:sp>
-        <p:nvSpPr>
-          <p:cNvPr id="56" name="Google Shape;56;p9"/>
-          <p:cNvSpPr txBox="1">
-            <a:spLocks noGrp="1"/>
-          </p:cNvSpPr>
-          <p:nvPr>
-            <p:ph type="title"/>
-          </p:nvPr>
-        </p:nvSpPr>
-        <p:spPr>
-          <a:xfrm>
-            <a:off x="713225" y="445025"/>
-            <a:ext cx="5679900" cy="572700"/>
-          </a:xfrm>
-          <a:prstGeom prst="rect">
-            <a:avLst/>
-          </a:prstGeom>
-        </p:spPr>
-        <p:txBody>
-          <a:bodyPr spcFirstLastPara="1" wrap="square" lIns="91425" tIns="91425" rIns="91425" bIns="91425" anchor="t" anchorCtr="0">
-            <a:noAutofit/>
-          </a:bodyPr>
-          <a:lstStyle>
-            <a:lvl1pPr lvl="0" rtl="0">
+            <a:lvl1pPr lvl="0">
               <a:spcBef>
                 <a:spcPts val="0"/>
               </a:spcBef>
@@ -3677,9 +2102,9 @@
               </a:spcAft>
               <a:buSzPts val="3000"/>
               <a:buNone/>
-              <a:defRPr/>
+              <a:defRPr sz="2400"/>
             </a:lvl1pPr>
-            <a:lvl2pPr lvl="1" rtl="0">
+            <a:lvl2pPr lvl="1">
               <a:spcBef>
                 <a:spcPts val="0"/>
               </a:spcBef>
@@ -3690,7 +2115,7 @@
               <a:buNone/>
               <a:defRPr/>
             </a:lvl2pPr>
-            <a:lvl3pPr lvl="2" rtl="0">
+            <a:lvl3pPr lvl="2">
               <a:spcBef>
                 <a:spcPts val="0"/>
               </a:spcBef>
@@ -3701,7 +2126,7 @@
               <a:buNone/>
               <a:defRPr/>
             </a:lvl3pPr>
-            <a:lvl4pPr lvl="3" rtl="0">
+            <a:lvl4pPr lvl="3">
               <a:spcBef>
                 <a:spcPts val="0"/>
               </a:spcBef>
@@ -3712,7 +2137,7 @@
               <a:buNone/>
               <a:defRPr/>
             </a:lvl4pPr>
-            <a:lvl5pPr lvl="4" rtl="0">
+            <a:lvl5pPr lvl="4">
               <a:spcBef>
                 <a:spcPts val="0"/>
               </a:spcBef>
@@ -3723,7 +2148,7 @@
               <a:buNone/>
               <a:defRPr/>
             </a:lvl5pPr>
-            <a:lvl6pPr lvl="5" rtl="0">
+            <a:lvl6pPr lvl="5">
               <a:spcBef>
                 <a:spcPts val="0"/>
               </a:spcBef>
@@ -3734,7 +2159,7 @@
               <a:buNone/>
               <a:defRPr/>
             </a:lvl6pPr>
-            <a:lvl7pPr lvl="6" rtl="0">
+            <a:lvl7pPr lvl="6">
               <a:spcBef>
                 <a:spcPts val="0"/>
               </a:spcBef>
@@ -3745,7 +2170,7 @@
               <a:buNone/>
               <a:defRPr/>
             </a:lvl7pPr>
-            <a:lvl8pPr lvl="7" rtl="0">
+            <a:lvl8pPr lvl="7">
               <a:spcBef>
                 <a:spcPts val="0"/>
               </a:spcBef>
@@ -3756,7 +2181,7 @@
               <a:buNone/>
               <a:defRPr/>
             </a:lvl8pPr>
-            <a:lvl9pPr lvl="8" rtl="0">
+            <a:lvl9pPr lvl="8">
               <a:spcBef>
                 <a:spcPts val="0"/>
               </a:spcBef>
@@ -3769,13 +2194,13 @@
             </a:lvl9pPr>
           </a:lstStyle>
           <a:p>
-            <a:endParaRPr/>
+            <a:endParaRPr dirty="0"/>
           </a:p>
         </p:txBody>
       </p:sp>
       <p:cxnSp>
         <p:nvCxnSpPr>
-          <p:cNvPr id="57" name="Google Shape;57;p9"/>
+          <p:cNvPr id="35" name="Google Shape;35;p5"/>
           <p:cNvCxnSpPr/>
           <p:nvPr/>
         </p:nvCxnSpPr>
@@ -3801,40 +2226,14 @@
       </p:cxnSp>
       <p:cxnSp>
         <p:nvCxnSpPr>
-          <p:cNvPr id="58" name="Google Shape;58;p9"/>
-          <p:cNvCxnSpPr/>
-          <p:nvPr/>
-        </p:nvCxnSpPr>
-        <p:spPr>
-          <a:xfrm>
-            <a:off x="-72550" y="4877450"/>
-            <a:ext cx="9287400" cy="0"/>
-          </a:xfrm>
-          <a:prstGeom prst="straightConnector1">
-            <a:avLst/>
-          </a:prstGeom>
-          <a:noFill/>
-          <a:ln w="28575" cap="flat" cmpd="sng">
-            <a:solidFill>
-              <a:schemeClr val="accent1"/>
-            </a:solidFill>
-            <a:prstDash val="solid"/>
-            <a:round/>
-            <a:headEnd type="none" w="med" len="med"/>
-            <a:tailEnd type="none" w="med" len="med"/>
-          </a:ln>
-        </p:spPr>
-      </p:cxnSp>
-      <p:cxnSp>
-        <p:nvCxnSpPr>
-          <p:cNvPr id="59" name="Google Shape;59;p9"/>
+          <p:cNvPr id="37" name="Google Shape;37;p5"/>
           <p:cNvCxnSpPr/>
           <p:nvPr/>
         </p:nvCxnSpPr>
         <p:spPr>
           <a:xfrm flipH="1">
-            <a:off x="5925450" y="2797500"/>
-            <a:ext cx="3378000" cy="2466900"/>
+            <a:off x="6935750" y="3931325"/>
+            <a:ext cx="2549400" cy="1354500"/>
           </a:xfrm>
           <a:prstGeom prst="curvedConnector3">
             <a:avLst>
@@ -3853,252 +2252,110 @@
           </a:ln>
         </p:spPr>
       </p:cxnSp>
+      <p:sp>
+        <p:nvSpPr>
+          <p:cNvPr id="5" name="Marcador de texto 4">
+            <a:extLst>
+              <a:ext uri="{FF2B5EF4-FFF2-40B4-BE49-F238E27FC236}">
+                <a16:creationId xmlns:a16="http://schemas.microsoft.com/office/drawing/2014/main" id="{2AA7CC61-7EEA-CE58-E68F-B860C60B0734}"/>
+              </a:ext>
+            </a:extLst>
+          </p:cNvPr>
+          <p:cNvSpPr>
+            <a:spLocks noGrp="1"/>
+          </p:cNvSpPr>
+          <p:nvPr>
+            <p:ph type="body" sz="quarter" idx="11"/>
+          </p:nvPr>
+        </p:nvSpPr>
+        <p:spPr>
+          <a:xfrm>
+            <a:off x="832156" y="1375725"/>
+            <a:ext cx="7571510" cy="3322749"/>
+          </a:xfrm>
+        </p:spPr>
+        <p:txBody>
+          <a:bodyPr/>
+          <a:lstStyle>
+            <a:lvl1pPr>
+              <a:defRPr sz="1800"/>
+            </a:lvl1pPr>
+            <a:lvl2pPr>
+              <a:defRPr sz="1800"/>
+            </a:lvl2pPr>
+            <a:lvl3pPr>
+              <a:defRPr sz="1800"/>
+            </a:lvl3pPr>
+            <a:lvl4pPr>
+              <a:defRPr sz="1800"/>
+            </a:lvl4pPr>
+            <a:lvl5pPr>
+              <a:defRPr sz="1800"/>
+            </a:lvl5pPr>
+          </a:lstStyle>
+          <a:p>
+            <a:pPr lvl="0"/>
+            <a:r>
+              <a:rPr lang="es-ES" dirty="0"/>
+              <a:t>Haga clic para modificar los estilos de texto del patrón</a:t>
+            </a:r>
+          </a:p>
+          <a:p>
+            <a:pPr lvl="1"/>
+            <a:r>
+              <a:rPr lang="es-ES" dirty="0"/>
+              <a:t>Segundo nivel</a:t>
+            </a:r>
+          </a:p>
+          <a:p>
+            <a:pPr lvl="2"/>
+            <a:r>
+              <a:rPr lang="es-ES" dirty="0"/>
+              <a:t>Tercer nivel</a:t>
+            </a:r>
+          </a:p>
+          <a:p>
+            <a:pPr lvl="3"/>
+            <a:r>
+              <a:rPr lang="es-ES" dirty="0"/>
+              <a:t>Cuarto nivel</a:t>
+            </a:r>
+          </a:p>
+          <a:p>
+            <a:pPr lvl="4"/>
+            <a:r>
+              <a:rPr lang="es-ES" dirty="0"/>
+              <a:t>Quinto nivel</a:t>
+            </a:r>
+          </a:p>
+        </p:txBody>
+      </p:sp>
     </p:spTree>
+    <p:extLst>
+      <p:ext uri="{BB962C8B-B14F-4D97-AF65-F5344CB8AC3E}">
+        <p14:creationId xmlns:p14="http://schemas.microsoft.com/office/powerpoint/2010/main" val="3878537381"/>
+      </p:ext>
+    </p:extLst>
   </p:cSld>
   <p:clrMapOvr>
     <a:masterClrMapping/>
   </p:clrMapOvr>
-</p:sldLayout>
-</file>
-
-<file path=ppt/slideLayouts/slideLayout7.xml><?xml version="1.0" encoding="utf-8"?>
-<p:sldLayout xmlns:a="http://schemas.openxmlformats.org/drawingml/2006/main" xmlns:r="http://schemas.openxmlformats.org/officeDocument/2006/relationships" xmlns:p="http://schemas.openxmlformats.org/presentationml/2006/main" matchingName="Blank" type="blank">
-  <p:cSld name="BLANK">
-    <p:bg>
-      <p:bgPr>
-        <a:noFill/>
-        <a:effectLst/>
-      </p:bgPr>
-    </p:bg>
-    <p:spTree>
-      <p:nvGrpSpPr>
-        <p:cNvPr id="1" name="Shape 72"/>
-        <p:cNvGrpSpPr/>
-        <p:nvPr/>
-      </p:nvGrpSpPr>
-      <p:grpSpPr>
-        <a:xfrm>
-          <a:off x="0" y="0"/>
-          <a:ext cx="0" cy="0"/>
-          <a:chOff x="0" y="0"/>
-          <a:chExt cx="0" cy="0"/>
-        </a:xfrm>
-      </p:grpSpPr>
-    </p:spTree>
-  </p:cSld>
-  <p:clrMapOvr>
-    <a:masterClrMapping/>
-  </p:clrMapOvr>
-</p:sldLayout>
-</file>
-
-<file path=ppt/slideLayouts/slideLayout8.xml><?xml version="1.0" encoding="utf-8"?>
-<p:sldLayout xmlns:a="http://schemas.openxmlformats.org/drawingml/2006/main" xmlns:r="http://schemas.openxmlformats.org/officeDocument/2006/relationships" xmlns:p="http://schemas.openxmlformats.org/presentationml/2006/main" matchingName="Background">
-  <p:cSld name="CUSTOM_10">
-    <p:spTree>
-      <p:nvGrpSpPr>
-        <p:cNvPr id="1" name="Shape 455"/>
-        <p:cNvGrpSpPr/>
-        <p:nvPr/>
-      </p:nvGrpSpPr>
-      <p:grpSpPr>
-        <a:xfrm>
-          <a:off x="0" y="0"/>
-          <a:ext cx="0" cy="0"/>
-          <a:chOff x="0" y="0"/>
-          <a:chExt cx="0" cy="0"/>
-        </a:xfrm>
-      </p:grpSpPr>
-      <p:cxnSp>
-        <p:nvCxnSpPr>
-          <p:cNvPr id="456" name="Google Shape;456;p51"/>
-          <p:cNvCxnSpPr/>
-          <p:nvPr/>
-        </p:nvCxnSpPr>
-        <p:spPr>
-          <a:xfrm>
-            <a:off x="-72550" y="4877450"/>
-            <a:ext cx="9287400" cy="0"/>
-          </a:xfrm>
-          <a:prstGeom prst="straightConnector1">
-            <a:avLst/>
-          </a:prstGeom>
-          <a:noFill/>
-          <a:ln w="28575" cap="flat" cmpd="sng">
-            <a:solidFill>
-              <a:schemeClr val="accent1"/>
-            </a:solidFill>
-            <a:prstDash val="solid"/>
-            <a:round/>
-            <a:headEnd type="none" w="med" len="med"/>
-            <a:tailEnd type="none" w="med" len="med"/>
-          </a:ln>
-        </p:spPr>
-      </p:cxnSp>
-      <p:cxnSp>
-        <p:nvCxnSpPr>
-          <p:cNvPr id="457" name="Google Shape;457;p51"/>
-          <p:cNvCxnSpPr/>
-          <p:nvPr/>
-        </p:nvCxnSpPr>
-        <p:spPr>
-          <a:xfrm>
-            <a:off x="-72550" y="274100"/>
-            <a:ext cx="9287400" cy="0"/>
-          </a:xfrm>
-          <a:prstGeom prst="straightConnector1">
-            <a:avLst/>
-          </a:prstGeom>
-          <a:noFill/>
-          <a:ln w="28575" cap="flat" cmpd="sng">
-            <a:solidFill>
-              <a:schemeClr val="accent1"/>
-            </a:solidFill>
-            <a:prstDash val="solid"/>
-            <a:round/>
-            <a:headEnd type="none" w="med" len="med"/>
-            <a:tailEnd type="none" w="med" len="med"/>
-          </a:ln>
-        </p:spPr>
-      </p:cxnSp>
-    </p:spTree>
-  </p:cSld>
-  <p:clrMapOvr>
-    <a:masterClrMapping/>
-  </p:clrMapOvr>
-</p:sldLayout>
-</file>
-
-<file path=ppt/slideLayouts/slideLayout9.xml><?xml version="1.0" encoding="utf-8"?>
-<p:sldLayout xmlns:a="http://schemas.openxmlformats.org/drawingml/2006/main" xmlns:r="http://schemas.openxmlformats.org/officeDocument/2006/relationships" xmlns:p="http://schemas.openxmlformats.org/presentationml/2006/main" matchingName="Background 1">
-  <p:cSld name="CUSTOM_10_1">
-    <p:spTree>
-      <p:nvGrpSpPr>
-        <p:cNvPr id="1" name="Shape 458"/>
-        <p:cNvGrpSpPr/>
-        <p:nvPr/>
-      </p:nvGrpSpPr>
-      <p:grpSpPr>
-        <a:xfrm>
-          <a:off x="0" y="0"/>
-          <a:ext cx="0" cy="0"/>
-          <a:chOff x="0" y="0"/>
-          <a:chExt cx="0" cy="0"/>
-        </a:xfrm>
-      </p:grpSpPr>
-      <p:cxnSp>
-        <p:nvCxnSpPr>
-          <p:cNvPr id="459" name="Google Shape;459;p52"/>
-          <p:cNvCxnSpPr/>
-          <p:nvPr/>
-        </p:nvCxnSpPr>
-        <p:spPr>
-          <a:xfrm>
-            <a:off x="-72550" y="4877450"/>
-            <a:ext cx="9287400" cy="0"/>
-          </a:xfrm>
-          <a:prstGeom prst="straightConnector1">
-            <a:avLst/>
-          </a:prstGeom>
-          <a:noFill/>
-          <a:ln w="28575" cap="flat" cmpd="sng">
-            <a:solidFill>
-              <a:schemeClr val="accent1"/>
-            </a:solidFill>
-            <a:prstDash val="solid"/>
-            <a:round/>
-            <a:headEnd type="none" w="med" len="med"/>
-            <a:tailEnd type="none" w="med" len="med"/>
-          </a:ln>
-        </p:spPr>
-      </p:cxnSp>
-      <p:cxnSp>
-        <p:nvCxnSpPr>
-          <p:cNvPr id="460" name="Google Shape;460;p52"/>
-          <p:cNvCxnSpPr/>
-          <p:nvPr/>
-        </p:nvCxnSpPr>
-        <p:spPr>
-          <a:xfrm>
-            <a:off x="-72550" y="274100"/>
-            <a:ext cx="9287400" cy="0"/>
-          </a:xfrm>
-          <a:prstGeom prst="straightConnector1">
-            <a:avLst/>
-          </a:prstGeom>
-          <a:noFill/>
-          <a:ln w="28575" cap="flat" cmpd="sng">
-            <a:solidFill>
-              <a:schemeClr val="accent1"/>
-            </a:solidFill>
-            <a:prstDash val="solid"/>
-            <a:round/>
-            <a:headEnd type="none" w="med" len="med"/>
-            <a:tailEnd type="none" w="med" len="med"/>
-          </a:ln>
-        </p:spPr>
-      </p:cxnSp>
-      <p:cxnSp>
-        <p:nvCxnSpPr>
-          <p:cNvPr id="461" name="Google Shape;461;p52"/>
-          <p:cNvCxnSpPr/>
-          <p:nvPr/>
-        </p:nvCxnSpPr>
-        <p:spPr>
-          <a:xfrm>
-            <a:off x="7434175" y="-125600"/>
-            <a:ext cx="1993200" cy="1330200"/>
-          </a:xfrm>
-          <a:prstGeom prst="curvedConnector3">
-            <a:avLst>
-              <a:gd name="adj1" fmla="val 50000"/>
-            </a:avLst>
-          </a:prstGeom>
-          <a:noFill/>
-          <a:ln w="28575" cap="flat" cmpd="sng">
-            <a:solidFill>
-              <a:schemeClr val="accent2"/>
-            </a:solidFill>
-            <a:prstDash val="solid"/>
-            <a:round/>
-            <a:headEnd type="none" w="med" len="med"/>
-            <a:tailEnd type="none" w="med" len="med"/>
-          </a:ln>
-        </p:spPr>
-      </p:cxnSp>
-      <p:cxnSp>
-        <p:nvCxnSpPr>
-          <p:cNvPr id="462" name="Google Shape;462;p52"/>
-          <p:cNvCxnSpPr/>
-          <p:nvPr/>
-        </p:nvCxnSpPr>
-        <p:spPr>
-          <a:xfrm>
-            <a:off x="-147275" y="3943475"/>
-            <a:ext cx="1993200" cy="1330200"/>
-          </a:xfrm>
-          <a:prstGeom prst="curvedConnector3">
-            <a:avLst>
-              <a:gd name="adj1" fmla="val 50000"/>
-            </a:avLst>
-          </a:prstGeom>
-          <a:noFill/>
-          <a:ln w="28575" cap="flat" cmpd="sng">
-            <a:solidFill>
-              <a:schemeClr val="accent2"/>
-            </a:solidFill>
-            <a:prstDash val="solid"/>
-            <a:round/>
-            <a:headEnd type="none" w="med" len="med"/>
-            <a:tailEnd type="none" w="med" len="med"/>
-          </a:ln>
-        </p:spPr>
-      </p:cxnSp>
-    </p:spTree>
-  </p:cSld>
-  <p:clrMapOvr>
-    <a:masterClrMapping/>
-  </p:clrMapOvr>
+  <p:extLst>
+    <p:ext uri="{DCECCB84-F9BA-43D5-87BE-67443E8EF086}">
+      <p15:sldGuideLst xmlns:p15="http://schemas.microsoft.com/office/powerpoint/2012/main">
+        <p15:guide id="1" orient="horz" pos="1620" userDrawn="1">
+          <p15:clr>
+            <a:srgbClr val="FBAE40"/>
+          </p15:clr>
+        </p15:guide>
+        <p15:guide id="2" pos="2880" userDrawn="1">
+          <p15:clr>
+            <a:srgbClr val="FBAE40"/>
+          </p15:clr>
+        </p15:guide>
+      </p15:sldGuideLst>
+    </p:ext>
+  </p:extLst>
 </p:sldLayout>
 </file>
 
@@ -4107,9 +2364,24 @@
   <p:cSld name="simple-light-2">
     <p:bg>
       <p:bgPr>
-        <a:solidFill>
-          <a:schemeClr val="lt1"/>
-        </a:solidFill>
+        <a:gradFill>
+          <a:gsLst>
+            <a:gs pos="35000">
+              <a:schemeClr val="accent6">
+                <a:lumMod val="0"/>
+                <a:lumOff val="100000"/>
+              </a:schemeClr>
+            </a:gs>
+            <a:gs pos="96000">
+              <a:schemeClr val="accent6">
+                <a:lumMod val="100000"/>
+              </a:schemeClr>
+            </a:gs>
+          </a:gsLst>
+          <a:path path="circle">
+            <a:fillToRect l="50000" t="-80000" r="50000" b="180000"/>
+          </a:path>
+        </a:gradFill>
         <a:effectLst/>
       </p:bgPr>
     </p:bg>
@@ -4324,7 +2596,7 @@
             </a:lvl9pPr>
           </a:lstStyle>
           <a:p>
-            <a:endParaRPr/>
+            <a:endParaRPr dirty="0"/>
           </a:p>
         </p:txBody>
       </p:sp>
@@ -4592,25 +2864,82 @@
             </a:lvl9pPr>
           </a:lstStyle>
           <a:p>
-            <a:endParaRPr/>
+            <a:endParaRPr dirty="0"/>
           </a:p>
         </p:txBody>
       </p:sp>
+      <p:cxnSp>
+        <p:nvCxnSpPr>
+          <p:cNvPr id="2" name="Google Shape;11;p2">
+            <a:extLst>
+              <a:ext uri="{FF2B5EF4-FFF2-40B4-BE49-F238E27FC236}">
+                <a16:creationId xmlns:a16="http://schemas.microsoft.com/office/drawing/2014/main" id="{C61B2179-779E-FB5C-7F0C-F8459759109B}"/>
+              </a:ext>
+            </a:extLst>
+          </p:cNvPr>
+          <p:cNvCxnSpPr/>
+          <p:nvPr userDrawn="1"/>
+        </p:nvCxnSpPr>
+        <p:spPr>
+          <a:xfrm>
+            <a:off x="-72550" y="274100"/>
+            <a:ext cx="9287400" cy="0"/>
+          </a:xfrm>
+          <a:prstGeom prst="straightConnector1">
+            <a:avLst/>
+          </a:prstGeom>
+          <a:noFill/>
+          <a:ln w="28575" cap="flat" cmpd="sng">
+            <a:solidFill>
+              <a:schemeClr val="accent1"/>
+            </a:solidFill>
+            <a:prstDash val="solid"/>
+            <a:round/>
+            <a:headEnd type="none" w="med" len="med"/>
+            <a:tailEnd type="none" w="med" len="med"/>
+          </a:ln>
+        </p:spPr>
+      </p:cxnSp>
+      <p:cxnSp>
+        <p:nvCxnSpPr>
+          <p:cNvPr id="3" name="Google Shape;11;p2">
+            <a:extLst>
+              <a:ext uri="{FF2B5EF4-FFF2-40B4-BE49-F238E27FC236}">
+                <a16:creationId xmlns:a16="http://schemas.microsoft.com/office/drawing/2014/main" id="{CCAC0B19-FE5F-2DA1-1BC3-109F83C3631C}"/>
+              </a:ext>
+            </a:extLst>
+          </p:cNvPr>
+          <p:cNvCxnSpPr/>
+          <p:nvPr userDrawn="1"/>
+        </p:nvCxnSpPr>
+        <p:spPr>
+          <a:xfrm>
+            <a:off x="0" y="5012354"/>
+            <a:ext cx="9287400" cy="0"/>
+          </a:xfrm>
+          <a:prstGeom prst="straightConnector1">
+            <a:avLst/>
+          </a:prstGeom>
+          <a:noFill/>
+          <a:ln w="28575" cap="flat" cmpd="sng">
+            <a:solidFill>
+              <a:schemeClr val="accent1"/>
+            </a:solidFill>
+            <a:prstDash val="solid"/>
+            <a:round/>
+            <a:headEnd type="none" w="med" len="med"/>
+            <a:tailEnd type="none" w="med" len="med"/>
+          </a:ln>
+        </p:spPr>
+      </p:cxnSp>
     </p:spTree>
   </p:cSld>
   <p:clrMap bg1="lt1" tx1="dk1" bg2="dk2" tx2="lt2" accent1="accent1" accent2="accent2" accent3="accent3" accent4="accent4" accent5="accent5" accent6="accent6" hlink="hlink" folHlink="folHlink"/>
   <p:sldLayoutIdLst>
-    <p:sldLayoutId id="2147483648" r:id="rId1"/>
-    <p:sldLayoutId id="2147483650" r:id="rId2"/>
-    <p:sldLayoutId id="2147483651" r:id="rId3"/>
-    <p:sldLayoutId id="2147483707" r:id="rId4"/>
-    <p:sldLayoutId id="2147483708" r:id="rId5"/>
-    <p:sldLayoutId id="2147483655" r:id="rId6"/>
-    <p:sldLayoutId id="2147483658" r:id="rId7"/>
-    <p:sldLayoutId id="2147483697" r:id="rId8"/>
-    <p:sldLayoutId id="2147483698" r:id="rId9"/>
-    <p:sldLayoutId id="2147483699" r:id="rId10"/>
-    <p:sldLayoutId id="2147483700" r:id="rId11"/>
+    <p:sldLayoutId id="2147483707" r:id="rId1"/>
+    <p:sldLayoutId id="2147483709" r:id="rId2"/>
+    <p:sldLayoutId id="2147483708" r:id="rId3"/>
+    <p:sldLayoutId id="2147483710" r:id="rId4"/>
   </p:sldLayoutIdLst>
   <p:hf sldNum="0" hdr="0" ftr="0" dt="0"/>
   <p:txStyles>
@@ -4640,7 +2969,7 @@
           <a:srgbClr val="000000"/>
         </a:buClr>
         <a:buFont typeface="Arial"/>
-        <a:defRPr sz="1400" b="0" i="0" u="none" strike="noStrike" cap="none">
+        <a:defRPr sz="2400" b="0" i="0" u="none" strike="noStrike" cap="none">
           <a:solidFill>
             <a:srgbClr val="000000"/>
           </a:solidFill>
@@ -5310,7 +3639,7 @@
   <p:cSld>
     <p:spTree>
       <p:nvGrpSpPr>
-        <p:cNvPr id="1" name="Shape 487"/>
+        <p:cNvPr id="1" name=""/>
         <p:cNvGrpSpPr/>
         <p:nvPr/>
       </p:nvGrpSpPr>
@@ -5324,250 +3653,64 @@
       </p:grpSpPr>
       <p:sp>
         <p:nvSpPr>
-          <p:cNvPr id="488" name="Google Shape;488;p60"/>
-          <p:cNvSpPr txBox="1">
+          <p:cNvPr id="2" name="Título 1">
+            <a:extLst>
+              <a:ext uri="{FF2B5EF4-FFF2-40B4-BE49-F238E27FC236}">
+                <a16:creationId xmlns:a16="http://schemas.microsoft.com/office/drawing/2014/main" id="{68547A8E-ADDB-E740-6A75-82E5D245BFCF}"/>
+              </a:ext>
+            </a:extLst>
+          </p:cNvPr>
+          <p:cNvSpPr>
             <a:spLocks noGrp="1"/>
           </p:cNvSpPr>
           <p:nvPr>
-            <p:ph type="ctrTitle"/>
+            <p:ph type="title"/>
           </p:nvPr>
         </p:nvSpPr>
-        <p:spPr>
-          <a:xfrm>
-            <a:off x="1039975" y="1324500"/>
-            <a:ext cx="7064100" cy="2052600"/>
-          </a:xfrm>
-          <a:prstGeom prst="rect">
-            <a:avLst/>
-          </a:prstGeom>
-        </p:spPr>
+        <p:spPr/>
         <p:txBody>
-          <a:bodyPr spcFirstLastPara="1" wrap="square" lIns="91425" tIns="91425" rIns="91425" bIns="91425" anchor="b" anchorCtr="0">
-            <a:noAutofit/>
-          </a:bodyPr>
+          <a:bodyPr/>
           <a:lstStyle/>
           <a:p>
-            <a:pPr marL="0" lvl="0" indent="0" algn="ctr" rtl="0">
-              <a:spcBef>
-                <a:spcPts val="0"/>
-              </a:spcBef>
-              <a:spcAft>
-                <a:spcPts val="0"/>
-              </a:spcAft>
-              <a:buNone/>
-            </a:pPr>
-            <a:r>
-              <a:rPr lang="en" sz="2800" dirty="0"/>
-              <a:t>Minimalist Business Slides</a:t>
-            </a:r>
-            <a:endParaRPr sz="2800" dirty="0"/>
+            <a:endParaRPr lang="es-ES"/>
           </a:p>
         </p:txBody>
       </p:sp>
       <p:sp>
         <p:nvSpPr>
-          <p:cNvPr id="489" name="Google Shape;489;p60"/>
-          <p:cNvSpPr txBox="1">
+          <p:cNvPr id="3" name="Marcador de texto 2">
+            <a:extLst>
+              <a:ext uri="{FF2B5EF4-FFF2-40B4-BE49-F238E27FC236}">
+                <a16:creationId xmlns:a16="http://schemas.microsoft.com/office/drawing/2014/main" id="{46403FA3-5473-B390-1EBB-C99EBF65844E}"/>
+              </a:ext>
+            </a:extLst>
+          </p:cNvPr>
+          <p:cNvSpPr>
             <a:spLocks noGrp="1"/>
           </p:cNvSpPr>
           <p:nvPr>
-            <p:ph type="subTitle" idx="1"/>
+            <p:ph type="body" sz="quarter" idx="11"/>
           </p:nvPr>
         </p:nvSpPr>
-        <p:spPr>
-          <a:xfrm>
-            <a:off x="1040000" y="3377100"/>
-            <a:ext cx="7064100" cy="441900"/>
-          </a:xfrm>
-          <a:prstGeom prst="rect">
-            <a:avLst/>
-          </a:prstGeom>
-        </p:spPr>
+        <p:spPr/>
         <p:txBody>
-          <a:bodyPr spcFirstLastPara="1" wrap="square" lIns="91425" tIns="91425" rIns="91425" bIns="91425" anchor="t" anchorCtr="0">
-            <a:noAutofit/>
-          </a:bodyPr>
+          <a:bodyPr/>
           <a:lstStyle/>
           <a:p>
-            <a:pPr marL="0" lvl="0" indent="0" algn="ctr" rtl="0">
-              <a:spcBef>
-                <a:spcPts val="0"/>
-              </a:spcBef>
-              <a:spcAft>
-                <a:spcPts val="0"/>
-              </a:spcAft>
-              <a:buClr>
-                <a:schemeClr val="dk1"/>
-              </a:buClr>
-              <a:buSzPts val="1100"/>
-              <a:buFont typeface="Arial"/>
-              <a:buNone/>
-            </a:pPr>
-            <a:r>
-              <a:rPr lang="en" dirty="0">
-                <a:solidFill>
-                  <a:schemeClr val="dk1"/>
-                </a:solidFill>
-              </a:rPr>
-              <a:t>Here is where your presentation begins</a:t>
-            </a:r>
-            <a:endParaRPr dirty="0"/>
+            <a:endParaRPr lang="es-ES"/>
           </a:p>
         </p:txBody>
       </p:sp>
     </p:spTree>
+    <p:extLst>
+      <p:ext uri="{BB962C8B-B14F-4D97-AF65-F5344CB8AC3E}">
+        <p14:creationId xmlns:p14="http://schemas.microsoft.com/office/powerpoint/2010/main" val="3333196846"/>
+      </p:ext>
+    </p:extLst>
   </p:cSld>
   <p:clrMapOvr>
     <a:masterClrMapping/>
   </p:clrMapOvr>
-  <p:timing>
-    <p:tnLst>
-      <p:par>
-        <p:cTn id="1" dur="indefinite" restart="never" nodeType="tmRoot">
-          <p:childTnLst>
-            <p:seq concurrent="1" nextAc="seek">
-              <p:cTn id="2" dur="indefinite" nodeType="mainSeq">
-                <p:childTnLst>
-                  <p:par>
-                    <p:cTn id="3" fill="hold">
-                      <p:stCondLst>
-                        <p:cond delay="indefinite"/>
-                      </p:stCondLst>
-                      <p:childTnLst>
-                        <p:par>
-                          <p:cTn id="4" fill="hold">
-                            <p:stCondLst>
-                              <p:cond delay="0"/>
-                            </p:stCondLst>
-                            <p:childTnLst>
-                              <p:par>
-                                <p:cTn id="5" presetID="2" presetClass="entr" presetSubtype="8" fill="hold" nodeType="clickEffect">
-                                  <p:stCondLst>
-                                    <p:cond delay="0"/>
-                                  </p:stCondLst>
-                                  <p:childTnLst>
-                                    <p:set>
-                                      <p:cBhvr>
-                                        <p:cTn id="6" dur="1" fill="hold">
-                                          <p:stCondLst>
-                                            <p:cond delay="0"/>
-                                          </p:stCondLst>
-                                        </p:cTn>
-                                        <p:tgtEl>
-                                          <p:spTgt spid="488"/>
-                                        </p:tgtEl>
-                                        <p:attrNameLst>
-                                          <p:attrName>style.visibility</p:attrName>
-                                        </p:attrNameLst>
-                                      </p:cBhvr>
-                                      <p:to>
-                                        <p:strVal val="visible"/>
-                                      </p:to>
-                                    </p:set>
-                                    <p:anim calcmode="lin" valueType="num">
-                                      <p:cBhvr additive="base">
-                                        <p:cTn id="7" dur="1000"/>
-                                        <p:tgtEl>
-                                          <p:spTgt spid="488"/>
-                                        </p:tgtEl>
-                                        <p:attrNameLst>
-                                          <p:attrName>ppt_x</p:attrName>
-                                        </p:attrNameLst>
-                                      </p:cBhvr>
-                                      <p:tavLst>
-                                        <p:tav tm="0">
-                                          <p:val>
-                                            <p:strVal val="#ppt_x-1"/>
-                                          </p:val>
-                                        </p:tav>
-                                        <p:tav tm="100000">
-                                          <p:val>
-                                            <p:strVal val="#ppt_x"/>
-                                          </p:val>
-                                        </p:tav>
-                                      </p:tavLst>
-                                    </p:anim>
-                                  </p:childTnLst>
-                                </p:cTn>
-                              </p:par>
-                              <p:par>
-                                <p:cTn id="8" presetID="2" presetClass="entr" presetSubtype="4" fill="hold" nodeType="withEffect">
-                                  <p:stCondLst>
-                                    <p:cond delay="0"/>
-                                  </p:stCondLst>
-                                  <p:childTnLst>
-                                    <p:set>
-                                      <p:cBhvr>
-                                        <p:cTn id="9" dur="1" fill="hold">
-                                          <p:stCondLst>
-                                            <p:cond delay="0"/>
-                                          </p:stCondLst>
-                                        </p:cTn>
-                                        <p:tgtEl>
-                                          <p:spTgt spid="489"/>
-                                        </p:tgtEl>
-                                        <p:attrNameLst>
-                                          <p:attrName>style.visibility</p:attrName>
-                                        </p:attrNameLst>
-                                      </p:cBhvr>
-                                      <p:to>
-                                        <p:strVal val="visible"/>
-                                      </p:to>
-                                    </p:set>
-                                    <p:anim calcmode="lin" valueType="num">
-                                      <p:cBhvr additive="base">
-                                        <p:cTn id="10" dur="1000"/>
-                                        <p:tgtEl>
-                                          <p:spTgt spid="489"/>
-                                        </p:tgtEl>
-                                        <p:attrNameLst>
-                                          <p:attrName>ppt_y</p:attrName>
-                                        </p:attrNameLst>
-                                      </p:cBhvr>
-                                      <p:tavLst>
-                                        <p:tav tm="0">
-                                          <p:val>
-                                            <p:strVal val="#ppt_y+1"/>
-                                          </p:val>
-                                        </p:tav>
-                                        <p:tav tm="100000">
-                                          <p:val>
-                                            <p:strVal val="#ppt_y"/>
-                                          </p:val>
-                                        </p:tav>
-                                      </p:tavLst>
-                                    </p:anim>
-                                  </p:childTnLst>
-                                </p:cTn>
-                              </p:par>
-                            </p:childTnLst>
-                          </p:cTn>
-                        </p:par>
-                      </p:childTnLst>
-                    </p:cTn>
-                  </p:par>
-                </p:childTnLst>
-              </p:cTn>
-              <p:prevCondLst>
-                <p:cond evt="onPrev" delay="0">
-                  <p:tgtEl>
-                    <p:sldTgt/>
-                  </p:tgtEl>
-                </p:cond>
-              </p:prevCondLst>
-              <p:nextCondLst>
-                <p:cond evt="onNext" delay="0">
-                  <p:tgtEl>
-                    <p:sldTgt/>
-                  </p:tgtEl>
-                </p:cond>
-              </p:nextCondLst>
-            </p:seq>
-          </p:childTnLst>
-        </p:cTn>
-      </p:par>
-    </p:tnLst>
-  </p:timing>
 </p:sld>
 </file>
 
@@ -5576,7 +3719,7 @@
   <p:cSld>
     <p:spTree>
       <p:nvGrpSpPr>
-        <p:cNvPr id="1" name="Shape 493"/>
+        <p:cNvPr id="1" name=""/>
         <p:cNvGrpSpPr/>
         <p:nvPr/>
       </p:nvGrpSpPr>
@@ -5590,842 +3733,85 @@
       </p:grpSpPr>
       <p:sp>
         <p:nvSpPr>
-          <p:cNvPr id="494" name="Google Shape;494;p61"/>
-          <p:cNvSpPr txBox="1">
+          <p:cNvPr id="2" name="Título 1">
+            <a:extLst>
+              <a:ext uri="{FF2B5EF4-FFF2-40B4-BE49-F238E27FC236}">
+                <a16:creationId xmlns:a16="http://schemas.microsoft.com/office/drawing/2014/main" id="{998F2245-04D7-4C29-320C-43B3C064F813}"/>
+              </a:ext>
+            </a:extLst>
+          </p:cNvPr>
+          <p:cNvSpPr>
             <a:spLocks noGrp="1"/>
           </p:cNvSpPr>
           <p:nvPr>
             <p:ph type="title"/>
           </p:nvPr>
         </p:nvSpPr>
-        <p:spPr>
-          <a:xfrm>
-            <a:off x="713225" y="445025"/>
-            <a:ext cx="4711500" cy="572700"/>
-          </a:xfrm>
-          <a:prstGeom prst="rect">
-            <a:avLst/>
-          </a:prstGeom>
-        </p:spPr>
+        <p:spPr/>
         <p:txBody>
-          <a:bodyPr spcFirstLastPara="1" wrap="square" lIns="91425" tIns="91425" rIns="91425" bIns="91425" anchor="t" anchorCtr="0">
-            <a:noAutofit/>
-          </a:bodyPr>
+          <a:bodyPr/>
           <a:lstStyle/>
           <a:p>
-            <a:pPr marL="0" lvl="0" indent="0" algn="l" rtl="0">
-              <a:spcBef>
-                <a:spcPts val="0"/>
-              </a:spcBef>
-              <a:spcAft>
-                <a:spcPts val="0"/>
-              </a:spcAft>
-              <a:buNone/>
-            </a:pPr>
-            <a:r>
-              <a:rPr lang="en" sz="2400" dirty="0"/>
-              <a:t>Contents of this template</a:t>
-            </a:r>
-            <a:endParaRPr sz="2400" dirty="0"/>
+            <a:endParaRPr lang="es-ES"/>
           </a:p>
         </p:txBody>
       </p:sp>
       <p:sp>
         <p:nvSpPr>
-          <p:cNvPr id="495" name="Google Shape;495;p61"/>
-          <p:cNvSpPr txBox="1">
+          <p:cNvPr id="3" name="Marcador de posición de imagen 2">
+            <a:extLst>
+              <a:ext uri="{FF2B5EF4-FFF2-40B4-BE49-F238E27FC236}">
+                <a16:creationId xmlns:a16="http://schemas.microsoft.com/office/drawing/2014/main" id="{F4F5762C-5B5A-6996-71A1-C6C1D04DEE59}"/>
+              </a:ext>
+            </a:extLst>
+          </p:cNvPr>
+          <p:cNvSpPr>
             <a:spLocks noGrp="1"/>
           </p:cNvSpPr>
           <p:nvPr>
-            <p:ph type="body" idx="1"/>
+            <p:ph type="pic" sz="quarter" idx="10"/>
           </p:nvPr>
         </p:nvSpPr>
-        <p:spPr>
-          <a:xfrm>
-            <a:off x="713250" y="1272925"/>
-            <a:ext cx="7717500" cy="3295800"/>
-          </a:xfrm>
-          <a:prstGeom prst="rect">
-            <a:avLst/>
-          </a:prstGeom>
-        </p:spPr>
+        <p:spPr/>
         <p:txBody>
-          <a:bodyPr spcFirstLastPara="1" wrap="square" lIns="91425" tIns="91425" rIns="91425" bIns="91425" anchor="t" anchorCtr="0">
-            <a:noAutofit/>
-          </a:bodyPr>
+          <a:bodyPr/>
           <a:lstStyle/>
           <a:p>
-            <a:pPr marL="0" lvl="0" indent="0" algn="l" rtl="0">
-              <a:spcBef>
-                <a:spcPts val="0"/>
-              </a:spcBef>
-              <a:spcAft>
-                <a:spcPts val="0"/>
-              </a:spcAft>
-              <a:buClr>
-                <a:schemeClr val="dk1"/>
-              </a:buClr>
-              <a:buSzPts val="1100"/>
-              <a:buFont typeface="Arial"/>
-              <a:buNone/>
-            </a:pPr>
-            <a:r>
-              <a:rPr lang="en" sz="1200" dirty="0">
-                <a:solidFill>
-                  <a:schemeClr val="dk1"/>
-                </a:solidFill>
-              </a:rPr>
-              <a:t>Here’s what you’ll find in this </a:t>
-            </a:r>
-            <a:r>
-              <a:rPr lang="en" sz="1200" b="1" dirty="0">
-                <a:solidFill>
-                  <a:schemeClr val="dk1"/>
-                </a:solidFill>
-                <a:uFill>
-                  <a:noFill/>
-                </a:uFill>
-                <a:hlinkClick r:id="rId3">
-                  <a:extLst>
-                    <a:ext uri="{A12FA001-AC4F-418D-AE19-62706E023703}">
-                      <ahyp:hlinkClr xmlns:ahyp="http://schemas.microsoft.com/office/drawing/2018/hyperlinkcolor" val="tx"/>
-                    </a:ext>
-                  </a:extLst>
-                </a:hlinkClick>
-              </a:rPr>
-              <a:t>Slidesgo</a:t>
-            </a:r>
-            <a:r>
-              <a:rPr lang="en" sz="1200" dirty="0">
-                <a:solidFill>
-                  <a:schemeClr val="dk1"/>
-                </a:solidFill>
-              </a:rPr>
-              <a:t> template: </a:t>
-            </a:r>
-            <a:endParaRPr sz="1200" dirty="0">
-              <a:solidFill>
-                <a:schemeClr val="dk1"/>
-              </a:solidFill>
-            </a:endParaRPr>
+            <a:endParaRPr lang="es-ES"/>
           </a:p>
+        </p:txBody>
+      </p:sp>
+      <p:sp>
+        <p:nvSpPr>
+          <p:cNvPr id="4" name="Marcador de texto 3">
+            <a:extLst>
+              <a:ext uri="{FF2B5EF4-FFF2-40B4-BE49-F238E27FC236}">
+                <a16:creationId xmlns:a16="http://schemas.microsoft.com/office/drawing/2014/main" id="{840D54BB-C7DD-9F78-3574-CA00AA0FD2D4}"/>
+              </a:ext>
+            </a:extLst>
+          </p:cNvPr>
+          <p:cNvSpPr>
+            <a:spLocks noGrp="1"/>
+          </p:cNvSpPr>
+          <p:nvPr>
+            <p:ph type="body" sz="quarter" idx="11"/>
+          </p:nvPr>
+        </p:nvSpPr>
+        <p:spPr/>
+        <p:txBody>
+          <a:bodyPr/>
+          <a:lstStyle/>
           <a:p>
-            <a:pPr marL="457200" lvl="0" indent="-298450" algn="l" rtl="0">
-              <a:spcBef>
-                <a:spcPts val="1200"/>
-              </a:spcBef>
-              <a:spcAft>
-                <a:spcPts val="0"/>
-              </a:spcAft>
-              <a:buSzPts val="1100"/>
-              <a:buFont typeface="Montserrat Medium"/>
-              <a:buChar char="●"/>
-            </a:pPr>
-            <a:r>
-              <a:rPr lang="en" sz="1200" dirty="0">
-                <a:solidFill>
-                  <a:schemeClr val="dk1"/>
-                </a:solidFill>
-              </a:rPr>
-              <a:t>A slide structure based on a multi-business XL template, which you can easily adapt to your needs. For more info on how to edit the template, please visit </a:t>
-            </a:r>
-            <a:r>
-              <a:rPr lang="en" sz="1200" b="1" dirty="0">
-                <a:solidFill>
-                  <a:schemeClr val="dk1"/>
-                </a:solidFill>
-                <a:uFill>
-                  <a:noFill/>
-                </a:uFill>
-                <a:hlinkClick r:id="rId4">
-                  <a:extLst>
-                    <a:ext uri="{A12FA001-AC4F-418D-AE19-62706E023703}">
-                      <ahyp:hlinkClr xmlns:ahyp="http://schemas.microsoft.com/office/drawing/2018/hyperlinkcolor" val="tx"/>
-                    </a:ext>
-                  </a:extLst>
-                </a:hlinkClick>
-              </a:rPr>
-              <a:t>Slidesgo School</a:t>
-            </a:r>
-            <a:r>
-              <a:rPr lang="en" sz="1200" dirty="0">
-                <a:solidFill>
-                  <a:schemeClr val="dk1"/>
-                </a:solidFill>
-              </a:rPr>
-              <a:t> or read our </a:t>
-            </a:r>
-            <a:r>
-              <a:rPr lang="en" sz="1200" b="1" dirty="0">
-                <a:solidFill>
-                  <a:schemeClr val="dk1"/>
-                </a:solidFill>
-                <a:uFill>
-                  <a:noFill/>
-                </a:uFill>
-                <a:hlinkClick r:id="rId5">
-                  <a:extLst>
-                    <a:ext uri="{A12FA001-AC4F-418D-AE19-62706E023703}">
-                      <ahyp:hlinkClr xmlns:ahyp="http://schemas.microsoft.com/office/drawing/2018/hyperlinkcolor" val="tx"/>
-                    </a:ext>
-                  </a:extLst>
-                </a:hlinkClick>
-              </a:rPr>
-              <a:t>FAQs</a:t>
-            </a:r>
-            <a:r>
-              <a:rPr lang="en" sz="1200" dirty="0">
-                <a:solidFill>
-                  <a:schemeClr val="dk1"/>
-                </a:solidFill>
-              </a:rPr>
-              <a:t>.</a:t>
-            </a:r>
-            <a:endParaRPr sz="1200" dirty="0">
-              <a:solidFill>
-                <a:schemeClr val="dk1"/>
-              </a:solidFill>
-            </a:endParaRPr>
-          </a:p>
-          <a:p>
-            <a:pPr marL="457200" lvl="0" indent="-298450" algn="l" rtl="0">
-              <a:spcBef>
-                <a:spcPts val="0"/>
-              </a:spcBef>
-              <a:spcAft>
-                <a:spcPts val="0"/>
-              </a:spcAft>
-              <a:buClr>
-                <a:schemeClr val="dk1"/>
-              </a:buClr>
-              <a:buSzPts val="1100"/>
-              <a:buChar char="●"/>
-            </a:pPr>
-            <a:r>
-              <a:rPr lang="en" sz="1200" dirty="0">
-                <a:solidFill>
-                  <a:schemeClr val="dk1"/>
-                </a:solidFill>
-              </a:rPr>
-              <a:t>To view this template in PowerPoint with the correct fonts, download and install on your computer </a:t>
-            </a:r>
-            <a:r>
-              <a:rPr lang="en" sz="1200" b="1" dirty="0">
-                <a:solidFill>
-                  <a:schemeClr val="hlink"/>
-                </a:solidFill>
-                <a:uFill>
-                  <a:noFill/>
-                </a:uFill>
-                <a:hlinkClick r:id="" action="ppaction://noaction"/>
-              </a:rPr>
-              <a:t>the fonts that we have used</a:t>
-            </a:r>
-            <a:r>
-              <a:rPr lang="en" sz="1200" dirty="0">
-                <a:solidFill>
-                  <a:schemeClr val="dk1"/>
-                </a:solidFill>
-              </a:rPr>
-              <a:t>. You can learn how to download and install fonts </a:t>
-            </a:r>
-            <a:r>
-              <a:rPr lang="en" sz="1200" b="1" dirty="0">
-                <a:solidFill>
-                  <a:schemeClr val="hlink"/>
-                </a:solidFill>
-                <a:uFill>
-                  <a:noFill/>
-                </a:uFill>
-                <a:hlinkClick r:id="rId6"/>
-              </a:rPr>
-              <a:t>here</a:t>
-            </a:r>
-            <a:r>
-              <a:rPr lang="en" sz="1200" dirty="0">
-                <a:solidFill>
-                  <a:schemeClr val="dk1"/>
-                </a:solidFill>
-              </a:rPr>
-              <a:t>.</a:t>
-            </a:r>
-            <a:endParaRPr sz="1200" dirty="0">
-              <a:solidFill>
-                <a:schemeClr val="dk1"/>
-              </a:solidFill>
-            </a:endParaRPr>
-          </a:p>
-          <a:p>
-            <a:pPr marL="457200" lvl="0" indent="-298450" algn="l" rtl="0">
-              <a:spcBef>
-                <a:spcPts val="0"/>
-              </a:spcBef>
-              <a:spcAft>
-                <a:spcPts val="0"/>
-              </a:spcAft>
-              <a:buSzPts val="1100"/>
-              <a:buFont typeface="Montserrat Medium"/>
-              <a:buChar char="●"/>
-            </a:pPr>
-            <a:r>
-              <a:rPr lang="en" sz="1200" dirty="0">
-                <a:solidFill>
-                  <a:schemeClr val="dk1"/>
-                </a:solidFill>
-              </a:rPr>
-              <a:t>An assortment of graphic resources that are suitable for use in the presentation can be found in the </a:t>
-            </a:r>
-            <a:r>
-              <a:rPr lang="en" sz="1200" b="1" dirty="0">
-                <a:solidFill>
-                  <a:schemeClr val="dk1"/>
-                </a:solidFill>
-              </a:rPr>
-              <a:t>a</a:t>
-            </a:r>
-            <a:r>
-              <a:rPr lang="en" sz="1200" b="1" dirty="0">
-                <a:solidFill>
-                  <a:schemeClr val="dk1"/>
-                </a:solidFill>
-                <a:uFill>
-                  <a:noFill/>
-                </a:uFill>
-                <a:hlinkClick r:id="" action="ppaction://noaction">
-                  <a:extLst>
-                    <a:ext uri="{A12FA001-AC4F-418D-AE19-62706E023703}">
-                      <ahyp:hlinkClr xmlns:ahyp="http://schemas.microsoft.com/office/drawing/2018/hyperlinkcolor" val="tx"/>
-                    </a:ext>
-                  </a:extLst>
-                </a:hlinkClick>
-              </a:rPr>
-              <a:t>lternative resources</a:t>
-            </a:r>
-            <a:r>
-              <a:rPr lang="en" sz="1200" dirty="0">
-                <a:solidFill>
-                  <a:schemeClr val="dk1"/>
-                </a:solidFill>
-              </a:rPr>
-              <a:t> slides.</a:t>
-            </a:r>
-            <a:endParaRPr sz="1200" dirty="0">
-              <a:solidFill>
-                <a:schemeClr val="dk1"/>
-              </a:solidFill>
-            </a:endParaRPr>
-          </a:p>
-          <a:p>
-            <a:pPr marL="457200" lvl="0" indent="-298450" algn="l" rtl="0">
-              <a:spcBef>
-                <a:spcPts val="0"/>
-              </a:spcBef>
-              <a:spcAft>
-                <a:spcPts val="0"/>
-              </a:spcAft>
-              <a:buSzPts val="1100"/>
-              <a:buFont typeface="Montserrat Medium"/>
-              <a:buChar char="●"/>
-            </a:pPr>
-            <a:r>
-              <a:rPr lang="en" sz="1200" dirty="0">
-                <a:solidFill>
-                  <a:schemeClr val="dk1"/>
-                </a:solidFill>
-              </a:rPr>
-              <a:t>A </a:t>
-            </a:r>
-            <a:r>
-              <a:rPr lang="en" sz="1200" b="1" dirty="0">
-                <a:solidFill>
-                  <a:schemeClr val="dk1"/>
-                </a:solidFill>
-                <a:uFill>
-                  <a:noFill/>
-                </a:uFill>
-                <a:hlinkClick r:id="" action="ppaction://noaction">
-                  <a:extLst>
-                    <a:ext uri="{A12FA001-AC4F-418D-AE19-62706E023703}">
-                      <ahyp:hlinkClr xmlns:ahyp="http://schemas.microsoft.com/office/drawing/2018/hyperlinkcolor" val="tx"/>
-                    </a:ext>
-                  </a:extLst>
-                </a:hlinkClick>
-              </a:rPr>
-              <a:t>thanks </a:t>
-            </a:r>
-            <a:r>
-              <a:rPr lang="en" sz="1200" dirty="0">
-                <a:solidFill>
-                  <a:schemeClr val="dk1"/>
-                </a:solidFill>
-                <a:uFill>
-                  <a:noFill/>
-                </a:uFill>
-                <a:hlinkClick r:id="" action="ppaction://noaction">
-                  <a:extLst>
-                    <a:ext uri="{A12FA001-AC4F-418D-AE19-62706E023703}">
-                      <ahyp:hlinkClr xmlns:ahyp="http://schemas.microsoft.com/office/drawing/2018/hyperlinkcolor" val="tx"/>
-                    </a:ext>
-                  </a:extLst>
-                </a:hlinkClick>
-              </a:rPr>
-              <a:t>slide</a:t>
-            </a:r>
-            <a:r>
-              <a:rPr lang="en" sz="1200" dirty="0">
-                <a:solidFill>
-                  <a:schemeClr val="dk1"/>
-                </a:solidFill>
-              </a:rPr>
-              <a:t>, which you must keep so that proper credits for our design are given.</a:t>
-            </a:r>
-            <a:endParaRPr sz="1200" dirty="0">
-              <a:solidFill>
-                <a:schemeClr val="dk1"/>
-              </a:solidFill>
-            </a:endParaRPr>
-          </a:p>
-          <a:p>
-            <a:pPr marL="457200" lvl="0" indent="-298450" algn="l" rtl="0">
-              <a:spcBef>
-                <a:spcPts val="0"/>
-              </a:spcBef>
-              <a:spcAft>
-                <a:spcPts val="0"/>
-              </a:spcAft>
-              <a:buSzPts val="1100"/>
-              <a:buFont typeface="Montserrat Medium"/>
-              <a:buChar char="●"/>
-            </a:pPr>
-            <a:r>
-              <a:rPr lang="en" sz="1200" dirty="0">
-                <a:solidFill>
-                  <a:schemeClr val="dk1"/>
-                </a:solidFill>
-              </a:rPr>
-              <a:t>Several </a:t>
-            </a:r>
-            <a:r>
-              <a:rPr lang="en" sz="1200" b="1" dirty="0">
-                <a:solidFill>
-                  <a:schemeClr val="dk1"/>
-                </a:solidFill>
-                <a:uFill>
-                  <a:noFill/>
-                </a:uFill>
-                <a:hlinkClick r:id="" action="ppaction://noaction">
-                  <a:extLst>
-                    <a:ext uri="{A12FA001-AC4F-418D-AE19-62706E023703}">
-                      <ahyp:hlinkClr xmlns:ahyp="http://schemas.microsoft.com/office/drawing/2018/hyperlinkcolor" val="tx"/>
-                    </a:ext>
-                  </a:extLst>
-                </a:hlinkClick>
-              </a:rPr>
-              <a:t>resources</a:t>
-            </a:r>
-            <a:r>
-              <a:rPr lang="en" sz="1200" dirty="0">
-                <a:solidFill>
-                  <a:schemeClr val="dk1"/>
-                </a:solidFill>
-                <a:uFill>
-                  <a:noFill/>
-                </a:uFill>
-                <a:hlinkClick r:id="" action="ppaction://noaction">
-                  <a:extLst>
-                    <a:ext uri="{A12FA001-AC4F-418D-AE19-62706E023703}">
-                      <ahyp:hlinkClr xmlns:ahyp="http://schemas.microsoft.com/office/drawing/2018/hyperlinkcolor" val="tx"/>
-                    </a:ext>
-                  </a:extLst>
-                </a:hlinkClick>
-              </a:rPr>
-              <a:t> </a:t>
-            </a:r>
-            <a:r>
-              <a:rPr lang="en" sz="1200" dirty="0">
-                <a:solidFill>
-                  <a:schemeClr val="dk1"/>
-                </a:solidFill>
-              </a:rPr>
-              <a:t>slides, where you’ll find links to all the elements used in the template.</a:t>
-            </a:r>
-            <a:endParaRPr sz="1200" dirty="0">
-              <a:solidFill>
-                <a:schemeClr val="dk1"/>
-              </a:solidFill>
-            </a:endParaRPr>
-          </a:p>
-          <a:p>
-            <a:pPr marL="457200" lvl="0" indent="-298450" algn="l" rtl="0">
-              <a:spcBef>
-                <a:spcPts val="0"/>
-              </a:spcBef>
-              <a:spcAft>
-                <a:spcPts val="0"/>
-              </a:spcAft>
-              <a:buSzPts val="1100"/>
-              <a:buFont typeface="Montserrat Medium"/>
-              <a:buChar char="●"/>
-            </a:pPr>
-            <a:r>
-              <a:rPr lang="en" sz="1200" b="1" dirty="0">
-                <a:solidFill>
-                  <a:schemeClr val="dk1"/>
-                </a:solidFill>
-                <a:uFill>
-                  <a:noFill/>
-                </a:uFill>
-                <a:hlinkClick r:id="" action="ppaction://noaction">
-                  <a:extLst>
-                    <a:ext uri="{A12FA001-AC4F-418D-AE19-62706E023703}">
-                      <ahyp:hlinkClr xmlns:ahyp="http://schemas.microsoft.com/office/drawing/2018/hyperlinkcolor" val="tx"/>
-                    </a:ext>
-                  </a:extLst>
-                </a:hlinkClick>
-              </a:rPr>
-              <a:t>Instructions for use</a:t>
-            </a:r>
-            <a:r>
-              <a:rPr lang="en" sz="1200" dirty="0">
-                <a:solidFill>
-                  <a:schemeClr val="dk1"/>
-                </a:solidFill>
-              </a:rPr>
-              <a:t>.</a:t>
-            </a:r>
-            <a:endParaRPr sz="1200" dirty="0">
-              <a:solidFill>
-                <a:schemeClr val="dk1"/>
-              </a:solidFill>
-            </a:endParaRPr>
-          </a:p>
-          <a:p>
-            <a:pPr marL="457200" lvl="0" indent="-298450" algn="l" rtl="0">
-              <a:spcBef>
-                <a:spcPts val="0"/>
-              </a:spcBef>
-              <a:spcAft>
-                <a:spcPts val="0"/>
-              </a:spcAft>
-              <a:buSzPts val="1100"/>
-              <a:buFont typeface="Montserrat"/>
-              <a:buChar char="●"/>
-            </a:pPr>
-            <a:r>
-              <a:rPr lang="en" sz="1200" dirty="0">
-                <a:solidFill>
-                  <a:schemeClr val="dk1"/>
-                </a:solidFill>
-              </a:rPr>
-              <a:t>Final slides with: </a:t>
-            </a:r>
-            <a:endParaRPr sz="1200" dirty="0">
-              <a:solidFill>
-                <a:schemeClr val="dk1"/>
-              </a:solidFill>
-            </a:endParaRPr>
-          </a:p>
-          <a:p>
-            <a:pPr marL="914400" lvl="0" indent="-298450" algn="l" rtl="0">
-              <a:spcBef>
-                <a:spcPts val="0"/>
-              </a:spcBef>
-              <a:spcAft>
-                <a:spcPts val="0"/>
-              </a:spcAft>
-              <a:buSzPts val="1100"/>
-              <a:buFont typeface="Montserrat Medium"/>
-              <a:buChar char="●"/>
-            </a:pPr>
-            <a:r>
-              <a:rPr lang="en" sz="1200" dirty="0">
-                <a:solidFill>
-                  <a:schemeClr val="dk1"/>
-                </a:solidFill>
-              </a:rPr>
-              <a:t>The</a:t>
-            </a:r>
-            <a:r>
-              <a:rPr lang="en" sz="1200" dirty="0">
-                <a:solidFill>
-                  <a:schemeClr val="dk1"/>
-                </a:solidFill>
-                <a:uFill>
-                  <a:noFill/>
-                </a:uFill>
-                <a:hlinkClick r:id="" action="ppaction://noaction">
-                  <a:extLst>
-                    <a:ext uri="{A12FA001-AC4F-418D-AE19-62706E023703}">
-                      <ahyp:hlinkClr xmlns:ahyp="http://schemas.microsoft.com/office/drawing/2018/hyperlinkcolor" val="tx"/>
-                    </a:ext>
-                  </a:extLst>
-                </a:hlinkClick>
-              </a:rPr>
-              <a:t> </a:t>
-            </a:r>
-            <a:r>
-              <a:rPr lang="en" sz="1200" b="1" dirty="0">
-                <a:solidFill>
-                  <a:schemeClr val="dk1"/>
-                </a:solidFill>
-                <a:uFill>
-                  <a:noFill/>
-                </a:uFill>
-                <a:hlinkClick r:id="" action="ppaction://noaction">
-                  <a:extLst>
-                    <a:ext uri="{A12FA001-AC4F-418D-AE19-62706E023703}">
-                      <ahyp:hlinkClr xmlns:ahyp="http://schemas.microsoft.com/office/drawing/2018/hyperlinkcolor" val="tx"/>
-                    </a:ext>
-                  </a:extLst>
-                </a:hlinkClick>
-              </a:rPr>
-              <a:t>fonts and colors</a:t>
-            </a:r>
-            <a:r>
-              <a:rPr lang="en" sz="1200" dirty="0">
-                <a:solidFill>
-                  <a:schemeClr val="dk1"/>
-                </a:solidFill>
-              </a:rPr>
-              <a:t> used in the template.</a:t>
-            </a:r>
-            <a:endParaRPr sz="1200" dirty="0">
-              <a:solidFill>
-                <a:schemeClr val="dk1"/>
-              </a:solidFill>
-            </a:endParaRPr>
-          </a:p>
-          <a:p>
-            <a:pPr marL="914400" lvl="0" indent="-298450" algn="l" rtl="0">
-              <a:spcBef>
-                <a:spcPts val="0"/>
-              </a:spcBef>
-              <a:spcAft>
-                <a:spcPts val="0"/>
-              </a:spcAft>
-              <a:buSzPts val="1100"/>
-              <a:buFont typeface="Montserrat Medium"/>
-              <a:buChar char="●"/>
-            </a:pPr>
-            <a:r>
-              <a:rPr lang="en" sz="1200" dirty="0">
-                <a:solidFill>
-                  <a:schemeClr val="dk1"/>
-                </a:solidFill>
-              </a:rPr>
-              <a:t>A selection of</a:t>
-            </a:r>
-            <a:r>
-              <a:rPr lang="en" sz="1200" b="1" dirty="0">
-                <a:solidFill>
-                  <a:schemeClr val="dk1"/>
-                </a:solidFill>
-              </a:rPr>
-              <a:t> </a:t>
-            </a:r>
-            <a:r>
-              <a:rPr lang="en" sz="1200" b="1" dirty="0">
-                <a:solidFill>
-                  <a:schemeClr val="dk1"/>
-                </a:solidFill>
-                <a:uFill>
-                  <a:noFill/>
-                </a:uFill>
-                <a:hlinkClick r:id="" action="ppaction://noaction">
-                  <a:extLst>
-                    <a:ext uri="{A12FA001-AC4F-418D-AE19-62706E023703}">
-                      <ahyp:hlinkClr xmlns:ahyp="http://schemas.microsoft.com/office/drawing/2018/hyperlinkcolor" val="tx"/>
-                    </a:ext>
-                  </a:extLst>
-                </a:hlinkClick>
-              </a:rPr>
-              <a:t>illustrations</a:t>
-            </a:r>
-            <a:r>
-              <a:rPr lang="en" sz="1200" dirty="0">
-                <a:solidFill>
-                  <a:schemeClr val="dk1"/>
-                </a:solidFill>
-              </a:rPr>
-              <a:t>. You can also customize and animate them as you wish with the online editor. Visit </a:t>
-            </a:r>
-            <a:r>
-              <a:rPr lang="en" sz="1200" b="1" dirty="0">
-                <a:solidFill>
-                  <a:schemeClr val="dk1"/>
-                </a:solidFill>
-                <a:uFill>
-                  <a:noFill/>
-                </a:uFill>
-                <a:hlinkClick r:id="rId7">
-                  <a:extLst>
-                    <a:ext uri="{A12FA001-AC4F-418D-AE19-62706E023703}">
-                      <ahyp:hlinkClr xmlns:ahyp="http://schemas.microsoft.com/office/drawing/2018/hyperlinkcolor" val="tx"/>
-                    </a:ext>
-                  </a:extLst>
-                </a:hlinkClick>
-              </a:rPr>
-              <a:t>Storyset</a:t>
-            </a:r>
-            <a:r>
-              <a:rPr lang="en" sz="1200" dirty="0">
-                <a:solidFill>
-                  <a:schemeClr val="dk1"/>
-                </a:solidFill>
-              </a:rPr>
-              <a:t> to find more. </a:t>
-            </a:r>
-            <a:endParaRPr sz="1200" dirty="0">
-              <a:solidFill>
-                <a:schemeClr val="dk1"/>
-              </a:solidFill>
-            </a:endParaRPr>
-          </a:p>
-          <a:p>
-            <a:pPr marL="914400" lvl="0" indent="-298450" algn="l" rtl="0">
-              <a:spcBef>
-                <a:spcPts val="0"/>
-              </a:spcBef>
-              <a:spcAft>
-                <a:spcPts val="0"/>
-              </a:spcAft>
-              <a:buSzPts val="1100"/>
-              <a:buFont typeface="Montserrat Medium"/>
-              <a:buChar char="●"/>
-            </a:pPr>
-            <a:r>
-              <a:rPr lang="en" sz="1200" dirty="0">
-                <a:solidFill>
-                  <a:schemeClr val="dk1"/>
-                </a:solidFill>
-              </a:rPr>
-              <a:t>More</a:t>
-            </a:r>
-            <a:r>
-              <a:rPr lang="en" sz="1200" dirty="0">
-                <a:solidFill>
-                  <a:schemeClr val="dk1"/>
-                </a:solidFill>
-                <a:uFill>
-                  <a:noFill/>
-                </a:uFill>
-                <a:hlinkClick r:id="" action="ppaction://noaction">
-                  <a:extLst>
-                    <a:ext uri="{A12FA001-AC4F-418D-AE19-62706E023703}">
-                      <ahyp:hlinkClr xmlns:ahyp="http://schemas.microsoft.com/office/drawing/2018/hyperlinkcolor" val="tx"/>
-                    </a:ext>
-                  </a:extLst>
-                </a:hlinkClick>
-              </a:rPr>
-              <a:t> </a:t>
-            </a:r>
-            <a:r>
-              <a:rPr lang="en" sz="1200" b="1" dirty="0">
-                <a:solidFill>
-                  <a:schemeClr val="dk1"/>
-                </a:solidFill>
-                <a:uFill>
-                  <a:noFill/>
-                </a:uFill>
-                <a:hlinkClick r:id="" action="ppaction://noaction">
-                  <a:extLst>
-                    <a:ext uri="{A12FA001-AC4F-418D-AE19-62706E023703}">
-                      <ahyp:hlinkClr xmlns:ahyp="http://schemas.microsoft.com/office/drawing/2018/hyperlinkcolor" val="tx"/>
-                    </a:ext>
-                  </a:extLst>
-                </a:hlinkClick>
-              </a:rPr>
-              <a:t>infographic resources</a:t>
-            </a:r>
-            <a:r>
-              <a:rPr lang="en" sz="1200" dirty="0">
-                <a:solidFill>
-                  <a:schemeClr val="dk1"/>
-                </a:solidFill>
-              </a:rPr>
-              <a:t>, whose size and color can be edited. </a:t>
-            </a:r>
-            <a:endParaRPr sz="1200" dirty="0">
-              <a:solidFill>
-                <a:schemeClr val="dk1"/>
-              </a:solidFill>
-            </a:endParaRPr>
-          </a:p>
-          <a:p>
-            <a:pPr marL="914400" lvl="0" indent="-298450" algn="l" rtl="0">
-              <a:spcBef>
-                <a:spcPts val="0"/>
-              </a:spcBef>
-              <a:spcAft>
-                <a:spcPts val="0"/>
-              </a:spcAft>
-              <a:buSzPts val="1100"/>
-              <a:buFont typeface="Montserrat Medium"/>
-              <a:buChar char="●"/>
-            </a:pPr>
-            <a:r>
-              <a:rPr lang="en" sz="1200" dirty="0">
-                <a:solidFill>
-                  <a:schemeClr val="dk1"/>
-                </a:solidFill>
-              </a:rPr>
-              <a:t>Sets of </a:t>
-            </a:r>
-            <a:r>
-              <a:rPr lang="en" sz="1200" b="1" dirty="0">
-                <a:solidFill>
-                  <a:schemeClr val="dk1"/>
-                </a:solidFill>
-                <a:uFill>
-                  <a:noFill/>
-                </a:uFill>
-                <a:hlinkClick r:id="" action="ppaction://noaction">
-                  <a:extLst>
-                    <a:ext uri="{A12FA001-AC4F-418D-AE19-62706E023703}">
-                      <ahyp:hlinkClr xmlns:ahyp="http://schemas.microsoft.com/office/drawing/2018/hyperlinkcolor" val="tx"/>
-                    </a:ext>
-                  </a:extLst>
-                </a:hlinkClick>
-              </a:rPr>
-              <a:t>customizable icons</a:t>
-            </a:r>
-            <a:r>
-              <a:rPr lang="en" sz="1200" dirty="0">
-                <a:solidFill>
-                  <a:schemeClr val="dk1"/>
-                </a:solidFill>
-              </a:rPr>
-              <a:t> of the following themes: general, business, avatar, creative process, education, help &amp; support, medical, nature, performing arts, SEO &amp; marketing, and teamwork.</a:t>
-            </a:r>
-            <a:endParaRPr sz="1200" dirty="0">
-              <a:solidFill>
-                <a:schemeClr val="dk1"/>
-              </a:solidFill>
-            </a:endParaRPr>
-          </a:p>
-          <a:p>
-            <a:pPr marL="0" lvl="0" indent="0" algn="l" rtl="0">
-              <a:spcBef>
-                <a:spcPts val="1200"/>
-              </a:spcBef>
-              <a:spcAft>
-                <a:spcPts val="1200"/>
-              </a:spcAft>
-              <a:buNone/>
-            </a:pPr>
-            <a:r>
-              <a:rPr lang="en" sz="1200" dirty="0">
-                <a:solidFill>
-                  <a:schemeClr val="dk1"/>
-                </a:solidFill>
-              </a:rPr>
-              <a:t>You can delete this slide when you’re done editing the presentation.</a:t>
-            </a:r>
-            <a:endParaRPr sz="1200" dirty="0"/>
+            <a:endParaRPr lang="es-ES"/>
           </a:p>
         </p:txBody>
       </p:sp>
     </p:spTree>
+    <p:extLst>
+      <p:ext uri="{BB962C8B-B14F-4D97-AF65-F5344CB8AC3E}">
+        <p14:creationId xmlns:p14="http://schemas.microsoft.com/office/powerpoint/2010/main" val="3580313894"/>
+      </p:ext>
+    </p:extLst>
   </p:cSld>
   <p:clrMapOvr>
     <a:masterClrMapping/>
@@ -6455,7 +3841,7 @@
           <p:cNvPr id="2" name="Título 1">
             <a:extLst>
               <a:ext uri="{FF2B5EF4-FFF2-40B4-BE49-F238E27FC236}">
-                <a16:creationId xmlns:a16="http://schemas.microsoft.com/office/drawing/2014/main" id="{FE82D5E3-561B-5710-F880-9A14E6E24CD9}"/>
+                <a16:creationId xmlns:a16="http://schemas.microsoft.com/office/drawing/2014/main" id="{0EEDC600-313D-96CE-5CD6-4E06F8410A44}"/>
               </a:ext>
             </a:extLst>
           </p:cNvPr>
@@ -6480,7 +3866,7 @@
           <p:cNvPr id="3" name="Marcador de posición de imagen 2">
             <a:extLst>
               <a:ext uri="{FF2B5EF4-FFF2-40B4-BE49-F238E27FC236}">
-                <a16:creationId xmlns:a16="http://schemas.microsoft.com/office/drawing/2014/main" id="{76AED5ED-DBF7-BCC0-BEC6-A8B265D8C98A}"/>
+                <a16:creationId xmlns:a16="http://schemas.microsoft.com/office/drawing/2014/main" id="{F19E5B2E-E62B-9B44-8F5C-6C295BE4F919}"/>
               </a:ext>
             </a:extLst>
           </p:cNvPr>
@@ -6505,7 +3891,7 @@
           <p:cNvPr id="4" name="Marcador de texto 3">
             <a:extLst>
               <a:ext uri="{FF2B5EF4-FFF2-40B4-BE49-F238E27FC236}">
-                <a16:creationId xmlns:a16="http://schemas.microsoft.com/office/drawing/2014/main" id="{8FE9F87F-D7E8-59FF-4CA2-E5527D17DFBA}"/>
+                <a16:creationId xmlns:a16="http://schemas.microsoft.com/office/drawing/2014/main" id="{014F0148-7B5F-106A-900F-DCAD10D2F075}"/>
               </a:ext>
             </a:extLst>
           </p:cNvPr>
@@ -6521,14 +3907,14 @@
           <a:bodyPr/>
           <a:lstStyle/>
           <a:p>
-            <a:endParaRPr lang="es-ES" dirty="0"/>
+            <a:endParaRPr lang="es-ES"/>
           </a:p>
         </p:txBody>
       </p:sp>
     </p:spTree>
     <p:extLst>
       <p:ext uri="{BB962C8B-B14F-4D97-AF65-F5344CB8AC3E}">
-        <p14:creationId xmlns:p14="http://schemas.microsoft.com/office/powerpoint/2010/main" val="4007456522"/>
+        <p14:creationId xmlns:p14="http://schemas.microsoft.com/office/powerpoint/2010/main" val="990658498"/>
       </p:ext>
     </p:extLst>
   </p:cSld>
@@ -6543,13 +3929,7 @@
   <p:cSld>
     <p:spTree>
       <p:nvGrpSpPr>
-        <p:cNvPr id="1" name="">
-          <a:extLst>
-            <a:ext uri="{FF2B5EF4-FFF2-40B4-BE49-F238E27FC236}">
-              <a16:creationId xmlns:a16="http://schemas.microsoft.com/office/drawing/2014/main" id="{ED37FCFE-BFF2-1449-EDE3-8CFAF4578479}"/>
-            </a:ext>
-          </a:extLst>
-        </p:cNvPr>
+        <p:cNvPr id="1" name=""/>
         <p:cNvGrpSpPr/>
         <p:nvPr/>
       </p:nvGrpSpPr>
@@ -6566,7 +3946,7 @@
           <p:cNvPr id="2" name="Título 1">
             <a:extLst>
               <a:ext uri="{FF2B5EF4-FFF2-40B4-BE49-F238E27FC236}">
-                <a16:creationId xmlns:a16="http://schemas.microsoft.com/office/drawing/2014/main" id="{4A131921-012B-9603-FC1A-883784DDB158}"/>
+                <a16:creationId xmlns:a16="http://schemas.microsoft.com/office/drawing/2014/main" id="{EC96749A-79E7-5F56-A7BF-0A6FADBA2602}"/>
               </a:ext>
             </a:extLst>
           </p:cNvPr>
@@ -6591,122 +3971,7 @@
           <p:cNvPr id="3" name="Marcador de posición de imagen 2">
             <a:extLst>
               <a:ext uri="{FF2B5EF4-FFF2-40B4-BE49-F238E27FC236}">
-                <a16:creationId xmlns:a16="http://schemas.microsoft.com/office/drawing/2014/main" id="{06E9344D-6CFE-2302-55B3-B50C6E98C558}"/>
-              </a:ext>
-            </a:extLst>
-          </p:cNvPr>
-          <p:cNvSpPr>
-            <a:spLocks noGrp="1"/>
-          </p:cNvSpPr>
-          <p:nvPr>
-            <p:ph type="pic" sz="quarter" idx="10"/>
-          </p:nvPr>
-        </p:nvSpPr>
-        <p:spPr>
-          <a:xfrm>
-            <a:off x="5304946" y="1582811"/>
-            <a:ext cx="2886075" cy="2662237"/>
-          </a:xfrm>
-        </p:spPr>
-        <p:txBody>
-          <a:bodyPr/>
-          <a:lstStyle/>
-          <a:p>
-            <a:endParaRPr lang="es-ES"/>
-          </a:p>
-        </p:txBody>
-      </p:sp>
-      <p:sp>
-        <p:nvSpPr>
-          <p:cNvPr id="4" name="Marcador de texto 3">
-            <a:extLst>
-              <a:ext uri="{FF2B5EF4-FFF2-40B4-BE49-F238E27FC236}">
-                <a16:creationId xmlns:a16="http://schemas.microsoft.com/office/drawing/2014/main" id="{645B4D15-335F-E99D-82A5-B3FA005B2450}"/>
-              </a:ext>
-            </a:extLst>
-          </p:cNvPr>
-          <p:cNvSpPr>
-            <a:spLocks noGrp="1"/>
-          </p:cNvSpPr>
-          <p:nvPr>
-            <p:ph type="body" sz="quarter" idx="11"/>
-          </p:nvPr>
-        </p:nvSpPr>
-        <p:spPr>
-          <a:xfrm>
-            <a:off x="285546" y="1582811"/>
-            <a:ext cx="4286454" cy="2711450"/>
-          </a:xfrm>
-        </p:spPr>
-        <p:txBody>
-          <a:bodyPr/>
-          <a:lstStyle/>
-          <a:p>
-            <a:endParaRPr lang="es-ES"/>
-          </a:p>
-        </p:txBody>
-      </p:sp>
-    </p:spTree>
-    <p:extLst>
-      <p:ext uri="{BB962C8B-B14F-4D97-AF65-F5344CB8AC3E}">
-        <p14:creationId xmlns:p14="http://schemas.microsoft.com/office/powerpoint/2010/main" val="2997222185"/>
-      </p:ext>
-    </p:extLst>
-  </p:cSld>
-  <p:clrMapOvr>
-    <a:masterClrMapping/>
-  </p:clrMapOvr>
-</p:sld>
-</file>
-
-<file path=ppt/slides/slide5.xml><?xml version="1.0" encoding="utf-8"?>
-<p:sld xmlns:a="http://schemas.openxmlformats.org/drawingml/2006/main" xmlns:r="http://schemas.openxmlformats.org/officeDocument/2006/relationships" xmlns:p="http://schemas.openxmlformats.org/presentationml/2006/main">
-  <p:cSld>
-    <p:spTree>
-      <p:nvGrpSpPr>
-        <p:cNvPr id="1" name=""/>
-        <p:cNvGrpSpPr/>
-        <p:nvPr/>
-      </p:nvGrpSpPr>
-      <p:grpSpPr>
-        <a:xfrm>
-          <a:off x="0" y="0"/>
-          <a:ext cx="0" cy="0"/>
-          <a:chOff x="0" y="0"/>
-          <a:chExt cx="0" cy="0"/>
-        </a:xfrm>
-      </p:grpSpPr>
-      <p:sp>
-        <p:nvSpPr>
-          <p:cNvPr id="2" name="Título 1">
-            <a:extLst>
-              <a:ext uri="{FF2B5EF4-FFF2-40B4-BE49-F238E27FC236}">
-                <a16:creationId xmlns:a16="http://schemas.microsoft.com/office/drawing/2014/main" id="{B8B37FDE-256F-E560-5031-6557924F8EE1}"/>
-              </a:ext>
-            </a:extLst>
-          </p:cNvPr>
-          <p:cNvSpPr>
-            <a:spLocks noGrp="1"/>
-          </p:cNvSpPr>
-          <p:nvPr>
-            <p:ph type="title"/>
-          </p:nvPr>
-        </p:nvSpPr>
-        <p:spPr/>
-        <p:txBody>
-          <a:bodyPr/>
-          <a:lstStyle/>
-          <a:p>
-            <a:endParaRPr lang="es-ES"/>
-          </a:p>
-        </p:txBody>
-      </p:sp>
-      <p:sp>
-        <p:nvSpPr>
-          <p:cNvPr id="3" name="Marcador de posición de imagen 2">
-            <a:extLst>
-              <a:ext uri="{FF2B5EF4-FFF2-40B4-BE49-F238E27FC236}">
-                <a16:creationId xmlns:a16="http://schemas.microsoft.com/office/drawing/2014/main" id="{1B1FA723-E41B-92F9-BD62-076AF7CA130B}"/>
+                <a16:creationId xmlns:a16="http://schemas.microsoft.com/office/drawing/2014/main" id="{484FF83A-B392-669F-71B6-BCB70E90BA7E}"/>
               </a:ext>
             </a:extLst>
           </p:cNvPr>
@@ -6731,7 +3996,7 @@
           <p:cNvPr id="4" name="Marcador de texto 3">
             <a:extLst>
               <a:ext uri="{FF2B5EF4-FFF2-40B4-BE49-F238E27FC236}">
-                <a16:creationId xmlns:a16="http://schemas.microsoft.com/office/drawing/2014/main" id="{B46314AB-C734-22AA-AFED-EB6462D321CC}"/>
+                <a16:creationId xmlns:a16="http://schemas.microsoft.com/office/drawing/2014/main" id="{E696D126-78A7-D3CD-CD29-4D220AFDA444}"/>
               </a:ext>
             </a:extLst>
           </p:cNvPr>
@@ -6754,7 +4019,7 @@
     </p:spTree>
     <p:extLst>
       <p:ext uri="{BB962C8B-B14F-4D97-AF65-F5344CB8AC3E}">
-        <p14:creationId xmlns:p14="http://schemas.microsoft.com/office/powerpoint/2010/main" val="2840939237"/>
+        <p14:creationId xmlns:p14="http://schemas.microsoft.com/office/powerpoint/2010/main" val="407813239"/>
       </p:ext>
     </p:extLst>
   </p:cSld>
@@ -6765,7 +4030,7 @@
 </file>
 
 <file path=ppt/theme/theme1.xml><?xml version="1.0" encoding="utf-8"?>
-<a:theme xmlns:a="http://schemas.openxmlformats.org/drawingml/2006/main" name="Minimalist Business Slides XL by Slidesgo">
+<a:theme xmlns:a="http://schemas.openxmlformats.org/drawingml/2006/main" name="solo testo">
   <a:themeElements>
     <a:clrScheme name="Aspecto">
       <a:dk1>
@@ -7040,7 +4305,24 @@
       </a:bgFillStyleLst>
     </a:fmtScheme>
   </a:themeElements>
-  <a:objectDefaults/>
+  <a:objectDefaults>
+    <a:lnDef>
+      <a:spPr>
+        <a:noFill/>
+        <a:ln w="28575" cap="flat" cmpd="sng">
+          <a:solidFill>
+            <a:schemeClr val="accent1"/>
+          </a:solidFill>
+          <a:prstDash val="solid"/>
+          <a:round/>
+          <a:headEnd type="none" w="med" len="med"/>
+          <a:tailEnd type="none" w="med" len="med"/>
+        </a:ln>
+      </a:spPr>
+      <a:bodyPr/>
+      <a:lstStyle/>
+    </a:lnDef>
+  </a:objectDefaults>
   <a:extraClrSchemeLst/>
 </a:theme>
 </file>
